--- a/LSD06/img/figures.pptx
+++ b/LSD06/img/figures.pptx
@@ -105,6 +105,11 @@
       </a:defRPr>
     </a:lvl9pPr>
   </p:defaultTextStyle>
+  <p:extLst>
+    <p:ext uri="{EFAFB233-063F-42B5-8137-9DF3F51BA10A}">
+      <p15:sldGuideLst xmlns:p15="http://schemas.microsoft.com/office/powerpoint/2012/main"/>
+    </p:ext>
+  </p:extLst>
 </p:presentation>
 </file>
 
@@ -4442,10 +4447,7 @@
                 </a:prstGeom>
                 <a:ln w="127000" cap="rnd">
                   <a:solidFill>
-                    <a:schemeClr val="tx1">
-                      <a:lumMod val="75000"/>
-                      <a:lumOff val="25000"/>
-                    </a:schemeClr>
+                    <a:srgbClr val="FF0000"/>
                   </a:solidFill>
                   <a:miter lim="800000"/>
                 </a:ln>
@@ -5280,10 +5282,7 @@
                 </a:prstGeom>
                 <a:ln w="127000" cap="rnd">
                   <a:solidFill>
-                    <a:schemeClr val="tx1">
-                      <a:lumMod val="75000"/>
-                      <a:lumOff val="25000"/>
-                    </a:schemeClr>
+                    <a:srgbClr val="FF0000"/>
                   </a:solidFill>
                   <a:miter lim="800000"/>
                 </a:ln>
@@ -5421,10 +5420,7 @@
                 </a:prstGeom>
                 <a:ln w="127000" cap="rnd">
                   <a:solidFill>
-                    <a:schemeClr val="tx1">
-                      <a:lumMod val="75000"/>
-                      <a:lumOff val="25000"/>
-                    </a:schemeClr>
+                    <a:srgbClr val="FF0000"/>
                   </a:solidFill>
                   <a:miter lim="800000"/>
                 </a:ln>
@@ -5846,7 +5842,10 @@
                 </a:prstGeom>
                 <a:ln w="127000" cap="rnd">
                   <a:solidFill>
-                    <a:srgbClr val="FF0000"/>
+                    <a:schemeClr val="tx1">
+                      <a:lumMod val="75000"/>
+                      <a:lumOff val="25000"/>
+                    </a:schemeClr>
                   </a:solidFill>
                   <a:miter lim="800000"/>
                 </a:ln>
@@ -6399,10 +6398,7 @@
                 </a:prstGeom>
                 <a:ln w="127000" cap="rnd">
                   <a:solidFill>
-                    <a:schemeClr val="tx1">
-                      <a:lumMod val="75000"/>
-                      <a:lumOff val="25000"/>
-                    </a:schemeClr>
+                    <a:srgbClr val="FF0000"/>
                   </a:solidFill>
                   <a:miter lim="800000"/>
                 </a:ln>
@@ -6578,10 +6574,7 @@
                 </a:prstGeom>
                 <a:ln w="127000" cap="rnd">
                   <a:solidFill>
-                    <a:schemeClr val="tx1">
-                      <a:lumMod val="75000"/>
-                      <a:lumOff val="25000"/>
-                    </a:schemeClr>
+                    <a:srgbClr val="FF0000"/>
                   </a:solidFill>
                   <a:miter lim="800000"/>
                 </a:ln>
@@ -6669,10 +6662,7 @@
                 </a:prstGeom>
                 <a:ln w="127000" cap="rnd">
                   <a:solidFill>
-                    <a:schemeClr val="tx1">
-                      <a:lumMod val="75000"/>
-                      <a:lumOff val="25000"/>
-                    </a:schemeClr>
+                    <a:srgbClr val="FF0000"/>
                   </a:solidFill>
                   <a:miter lim="800000"/>
                 </a:ln>

--- a/LSD06/img/figures.pptx
+++ b/LSD06/img/figures.pptx
@@ -4028,7 +4028,10 @@
                 </a:prstGeom>
                 <a:ln w="127000" cap="rnd">
                   <a:solidFill>
-                    <a:srgbClr val="FF0000"/>
+                    <a:schemeClr val="tx1">
+                      <a:lumMod val="75000"/>
+                      <a:lumOff val="25000"/>
+                    </a:schemeClr>
                   </a:solidFill>
                   <a:miter lim="800000"/>
                 </a:ln>
@@ -4072,7 +4075,10 @@
                 </a:prstGeom>
                 <a:ln w="127000" cap="rnd">
                   <a:solidFill>
-                    <a:srgbClr val="FF0000"/>
+                    <a:schemeClr val="tx1">
+                      <a:lumMod val="75000"/>
+                      <a:lumOff val="25000"/>
+                    </a:schemeClr>
                   </a:solidFill>
                   <a:miter lim="800000"/>
                 </a:ln>
@@ -4116,10 +4122,7 @@
                 </a:prstGeom>
                 <a:ln w="127000" cap="rnd">
                   <a:solidFill>
-                    <a:schemeClr val="tx1">
-                      <a:lumMod val="75000"/>
-                      <a:lumOff val="25000"/>
-                    </a:schemeClr>
+                    <a:srgbClr val="FF0000"/>
                   </a:solidFill>
                   <a:miter lim="800000"/>
                 </a:ln>
@@ -4163,7 +4166,10 @@
                 </a:prstGeom>
                 <a:ln w="127000" cap="rnd">
                   <a:solidFill>
-                    <a:srgbClr val="FF0000"/>
+                    <a:schemeClr val="tx1">
+                      <a:lumMod val="75000"/>
+                      <a:lumOff val="25000"/>
+                    </a:schemeClr>
                   </a:solidFill>
                   <a:miter lim="800000"/>
                 </a:ln>
@@ -4819,10 +4825,7 @@
                 </a:prstGeom>
                 <a:ln w="127000" cap="rnd">
                   <a:solidFill>
-                    <a:schemeClr val="tx1">
-                      <a:lumMod val="75000"/>
-                      <a:lumOff val="25000"/>
-                    </a:schemeClr>
+                    <a:srgbClr val="FF0000"/>
                   </a:solidFill>
                   <a:miter lim="800000"/>
                 </a:ln>
@@ -5988,7 +5991,10 @@
                 </a:prstGeom>
                 <a:ln w="127000" cap="rnd">
                   <a:solidFill>
-                    <a:srgbClr val="FF0000"/>
+                    <a:schemeClr val="tx1">
+                      <a:lumMod val="75000"/>
+                      <a:lumOff val="25000"/>
+                    </a:schemeClr>
                   </a:solidFill>
                   <a:miter lim="800000"/>
                 </a:ln>
@@ -6032,7 +6038,10 @@
                 </a:prstGeom>
                 <a:ln w="127000" cap="rnd">
                   <a:solidFill>
-                    <a:srgbClr val="FF0000"/>
+                    <a:schemeClr val="tx1">
+                      <a:lumMod val="75000"/>
+                      <a:lumOff val="25000"/>
+                    </a:schemeClr>
                   </a:solidFill>
                   <a:miter lim="800000"/>
                 </a:ln>
@@ -6167,7 +6176,10 @@
                 </a:prstGeom>
                 <a:ln w="127000" cap="rnd">
                   <a:solidFill>
-                    <a:srgbClr val="FF0000"/>
+                    <a:schemeClr val="tx1">
+                      <a:lumMod val="75000"/>
+                      <a:lumOff val="25000"/>
+                    </a:schemeClr>
                   </a:solidFill>
                   <a:miter lim="800000"/>
                 </a:ln>
@@ -6255,7 +6267,10 @@
                 </a:prstGeom>
                 <a:ln w="127000" cap="rnd">
                   <a:solidFill>
-                    <a:srgbClr val="FF0000"/>
+                    <a:schemeClr val="tx1">
+                      <a:lumMod val="75000"/>
+                      <a:lumOff val="25000"/>
+                    </a:schemeClr>
                   </a:solidFill>
                   <a:miter lim="800000"/>
                 </a:ln>
@@ -6486,7 +6501,10 @@
                 </a:prstGeom>
                 <a:ln w="127000" cap="rnd">
                   <a:solidFill>
-                    <a:srgbClr val="FF0000"/>
+                    <a:schemeClr val="tx1">
+                      <a:lumMod val="75000"/>
+                      <a:lumOff val="25000"/>
+                    </a:schemeClr>
                   </a:solidFill>
                   <a:miter lim="800000"/>
                 </a:ln>
@@ -6574,7 +6592,10 @@
                 </a:prstGeom>
                 <a:ln w="127000" cap="rnd">
                   <a:solidFill>
-                    <a:srgbClr val="FF0000"/>
+                    <a:schemeClr val="tx1">
+                      <a:lumMod val="75000"/>
+                      <a:lumOff val="25000"/>
+                    </a:schemeClr>
                   </a:solidFill>
                   <a:miter lim="800000"/>
                 </a:ln>

--- a/LSD06/img/figures.pptx
+++ b/LSD06/img/figures.pptx
@@ -6796,7 +6796,7 @@
         </p:nvSpPr>
         <p:spPr>
           <a:xfrm>
-            <a:off x="9121841" y="3492704"/>
+            <a:off x="7940741" y="3492704"/>
             <a:ext cx="1035733" cy="461665"/>
           </a:xfrm>
           <a:prstGeom prst="rect">

--- a/LSD06/img/figures.pptx
+++ b/LSD06/img/figures.pptx
@@ -6864,7 +6864,7 @@
         </p:nvGrpSpPr>
         <p:grpSpPr>
           <a:xfrm>
-            <a:off x="2372122" y="787254"/>
+            <a:off x="380840" y="350517"/>
             <a:ext cx="1765401" cy="3526078"/>
             <a:chOff x="2682840" y="325616"/>
             <a:chExt cx="1765401" cy="3526078"/>
@@ -8760,7 +8760,7 @@
                     <a:latin typeface="Segoe UI Semibold" panose="020B0702040204020203" pitchFamily="34" charset="0"/>
                     <a:cs typeface="Segoe UI Semibold" panose="020B0702040204020203" pitchFamily="34" charset="0"/>
                   </a:rPr>
-                  <a:t>#</a:t>
+                  <a:t>-</a:t>
                 </a:r>
               </a:p>
             </p:txBody>
@@ -9323,7 +9323,7 @@
         </p:nvGrpSpPr>
         <p:grpSpPr>
           <a:xfrm>
-            <a:off x="8258612" y="350517"/>
+            <a:off x="2727293" y="1419003"/>
             <a:ext cx="3506525" cy="1719370"/>
             <a:chOff x="4893975" y="325616"/>
             <a:chExt cx="3506525" cy="1719370"/>
@@ -9372,8 +9372,11 @@
               <a:solidFill>
                 <a:schemeClr val="tx1"/>
               </a:solidFill>
-              <a:ln>
-                <a:noFill/>
+              <a:ln w="19050">
+                <a:solidFill>
+                  <a:srgbClr val="F02311"/>
+                </a:solidFill>
+                <a:prstDash val="dash"/>
               </a:ln>
             </p:spPr>
             <p:style>
@@ -10159,10 +10162,10 @@
       </p:grpSp>
       <p:grpSp>
         <p:nvGrpSpPr>
-          <p:cNvPr id="113" name="Group 112">
+          <p:cNvPr id="2" name="Group 1">
             <a:extLst>
               <a:ext uri="{FF2B5EF4-FFF2-40B4-BE49-F238E27FC236}">
-                <a16:creationId xmlns:a16="http://schemas.microsoft.com/office/drawing/2014/main" id="{BFDF8112-0ECB-4219-A800-65D466AA931F}"/>
+                <a16:creationId xmlns:a16="http://schemas.microsoft.com/office/drawing/2014/main" id="{E00C8338-7C6C-43FF-979D-F848DDEA1C40}"/>
               </a:ext>
             </a:extLst>
           </p:cNvPr>
@@ -10171,1442 +10174,1600 @@
         </p:nvGrpSpPr>
         <p:grpSpPr>
           <a:xfrm>
-            <a:off x="5405957" y="967034"/>
-            <a:ext cx="1828800" cy="1203745"/>
-            <a:chOff x="5355006" y="3060700"/>
-            <a:chExt cx="2496095" cy="1203745"/>
+            <a:off x="6410598" y="350517"/>
+            <a:ext cx="2921137" cy="2808692"/>
+            <a:chOff x="4373788" y="735866"/>
+            <a:chExt cx="2921137" cy="2808692"/>
           </a:xfrm>
         </p:grpSpPr>
-        <p:cxnSp>
-          <p:nvCxnSpPr>
-            <p:cNvPr id="104" name="Straight Connector 103">
+        <p:grpSp>
+          <p:nvGrpSpPr>
+            <p:cNvPr id="113" name="Group 112">
               <a:extLst>
                 <a:ext uri="{FF2B5EF4-FFF2-40B4-BE49-F238E27FC236}">
-                  <a16:creationId xmlns:a16="http://schemas.microsoft.com/office/drawing/2014/main" id="{068BC0D9-17EA-4A98-8017-CFD1873654FD}"/>
+                  <a16:creationId xmlns:a16="http://schemas.microsoft.com/office/drawing/2014/main" id="{BFDF8112-0ECB-4219-A800-65D466AA931F}"/>
                 </a:ext>
               </a:extLst>
             </p:cNvPr>
-            <p:cNvCxnSpPr/>
+            <p:cNvGrpSpPr/>
             <p:nvPr/>
-          </p:nvCxnSpPr>
+          </p:nvGrpSpPr>
+          <p:grpSpPr>
+            <a:xfrm>
+              <a:off x="5405957" y="967034"/>
+              <a:ext cx="1828800" cy="1203745"/>
+              <a:chOff x="5355006" y="3060700"/>
+              <a:chExt cx="2496095" cy="1203745"/>
+            </a:xfrm>
+          </p:grpSpPr>
+          <p:cxnSp>
+            <p:nvCxnSpPr>
+              <p:cNvPr id="104" name="Straight Connector 103">
+                <a:extLst>
+                  <a:ext uri="{FF2B5EF4-FFF2-40B4-BE49-F238E27FC236}">
+                    <a16:creationId xmlns:a16="http://schemas.microsoft.com/office/drawing/2014/main" id="{068BC0D9-17EA-4A98-8017-CFD1873654FD}"/>
+                  </a:ext>
+                </a:extLst>
+              </p:cNvPr>
+              <p:cNvCxnSpPr/>
+              <p:nvPr/>
+            </p:nvCxnSpPr>
+            <p:spPr>
+              <a:xfrm>
+                <a:off x="5355006" y="3060700"/>
+                <a:ext cx="2496095" cy="0"/>
+              </a:xfrm>
+              <a:prstGeom prst="line">
+                <a:avLst/>
+              </a:prstGeom>
+              <a:ln w="63500" cap="rnd">
+                <a:solidFill>
+                  <a:srgbClr val="FF6600"/>
+                </a:solidFill>
+              </a:ln>
+            </p:spPr>
+            <p:style>
+              <a:lnRef idx="1">
+                <a:schemeClr val="accent1"/>
+              </a:lnRef>
+              <a:fillRef idx="0">
+                <a:schemeClr val="accent1"/>
+              </a:fillRef>
+              <a:effectRef idx="0">
+                <a:schemeClr val="accent1"/>
+              </a:effectRef>
+              <a:fontRef idx="minor">
+                <a:schemeClr val="tx1"/>
+              </a:fontRef>
+            </p:style>
+          </p:cxnSp>
+          <p:cxnSp>
+            <p:nvCxnSpPr>
+              <p:cNvPr id="107" name="Straight Connector 106">
+                <a:extLst>
+                  <a:ext uri="{FF2B5EF4-FFF2-40B4-BE49-F238E27FC236}">
+                    <a16:creationId xmlns:a16="http://schemas.microsoft.com/office/drawing/2014/main" id="{ADE290C4-5B3F-4AEF-921A-9945187115E3}"/>
+                  </a:ext>
+                </a:extLst>
+              </p:cNvPr>
+              <p:cNvCxnSpPr/>
+              <p:nvPr/>
+            </p:nvCxnSpPr>
+            <p:spPr>
+              <a:xfrm>
+                <a:off x="5355006" y="3461948"/>
+                <a:ext cx="2496095" cy="0"/>
+              </a:xfrm>
+              <a:prstGeom prst="line">
+                <a:avLst/>
+              </a:prstGeom>
+              <a:ln w="63500" cap="rnd">
+                <a:solidFill>
+                  <a:srgbClr val="FF6600"/>
+                </a:solidFill>
+              </a:ln>
+            </p:spPr>
+            <p:style>
+              <a:lnRef idx="1">
+                <a:schemeClr val="accent1"/>
+              </a:lnRef>
+              <a:fillRef idx="0">
+                <a:schemeClr val="accent1"/>
+              </a:fillRef>
+              <a:effectRef idx="0">
+                <a:schemeClr val="accent1"/>
+              </a:effectRef>
+              <a:fontRef idx="minor">
+                <a:schemeClr val="tx1"/>
+              </a:fontRef>
+            </p:style>
+          </p:cxnSp>
+          <p:cxnSp>
+            <p:nvCxnSpPr>
+              <p:cNvPr id="111" name="Straight Connector 110">
+                <a:extLst>
+                  <a:ext uri="{FF2B5EF4-FFF2-40B4-BE49-F238E27FC236}">
+                    <a16:creationId xmlns:a16="http://schemas.microsoft.com/office/drawing/2014/main" id="{9F0411CE-BC4C-4D86-9D11-62A99FF0A8F0}"/>
+                  </a:ext>
+                </a:extLst>
+              </p:cNvPr>
+              <p:cNvCxnSpPr/>
+              <p:nvPr/>
+            </p:nvCxnSpPr>
+            <p:spPr>
+              <a:xfrm>
+                <a:off x="5355006" y="3863196"/>
+                <a:ext cx="2496095" cy="0"/>
+              </a:xfrm>
+              <a:prstGeom prst="line">
+                <a:avLst/>
+              </a:prstGeom>
+              <a:ln w="63500" cap="rnd">
+                <a:solidFill>
+                  <a:srgbClr val="FF6600"/>
+                </a:solidFill>
+              </a:ln>
+            </p:spPr>
+            <p:style>
+              <a:lnRef idx="1">
+                <a:schemeClr val="accent1"/>
+              </a:lnRef>
+              <a:fillRef idx="0">
+                <a:schemeClr val="accent1"/>
+              </a:fillRef>
+              <a:effectRef idx="0">
+                <a:schemeClr val="accent1"/>
+              </a:effectRef>
+              <a:fontRef idx="minor">
+                <a:schemeClr val="tx1"/>
+              </a:fontRef>
+            </p:style>
+          </p:cxnSp>
+          <p:cxnSp>
+            <p:nvCxnSpPr>
+              <p:cNvPr id="112" name="Straight Connector 111">
+                <a:extLst>
+                  <a:ext uri="{FF2B5EF4-FFF2-40B4-BE49-F238E27FC236}">
+                    <a16:creationId xmlns:a16="http://schemas.microsoft.com/office/drawing/2014/main" id="{2C07EC70-A393-4A78-8AE7-BF9F12B21A24}"/>
+                  </a:ext>
+                </a:extLst>
+              </p:cNvPr>
+              <p:cNvCxnSpPr/>
+              <p:nvPr/>
+            </p:nvCxnSpPr>
+            <p:spPr>
+              <a:xfrm>
+                <a:off x="5355006" y="4264445"/>
+                <a:ext cx="2496095" cy="0"/>
+              </a:xfrm>
+              <a:prstGeom prst="line">
+                <a:avLst/>
+              </a:prstGeom>
+              <a:ln w="63500" cap="rnd">
+                <a:solidFill>
+                  <a:srgbClr val="FF6600"/>
+                </a:solidFill>
+              </a:ln>
+            </p:spPr>
+            <p:style>
+              <a:lnRef idx="1">
+                <a:schemeClr val="accent1"/>
+              </a:lnRef>
+              <a:fillRef idx="0">
+                <a:schemeClr val="accent1"/>
+              </a:fillRef>
+              <a:effectRef idx="0">
+                <a:schemeClr val="accent1"/>
+              </a:effectRef>
+              <a:fontRef idx="minor">
+                <a:schemeClr val="tx1"/>
+              </a:fontRef>
+            </p:style>
+          </p:cxnSp>
+        </p:grpSp>
+        <p:grpSp>
+          <p:nvGrpSpPr>
+            <p:cNvPr id="114" name="Group 113">
+              <a:extLst>
+                <a:ext uri="{FF2B5EF4-FFF2-40B4-BE49-F238E27FC236}">
+                  <a16:creationId xmlns:a16="http://schemas.microsoft.com/office/drawing/2014/main" id="{A62FD6A1-FF66-4838-9A9E-3554ED889050}"/>
+                </a:ext>
+              </a:extLst>
+            </p:cNvPr>
+            <p:cNvGrpSpPr/>
+            <p:nvPr/>
+          </p:nvGrpSpPr>
+          <p:grpSpPr>
+            <a:xfrm rot="5400000">
+              <a:off x="5539963" y="1099782"/>
+              <a:ext cx="1828800" cy="1203745"/>
+              <a:chOff x="5355006" y="3060700"/>
+              <a:chExt cx="2496095" cy="1203745"/>
+            </a:xfrm>
+          </p:grpSpPr>
+          <p:cxnSp>
+            <p:nvCxnSpPr>
+              <p:cNvPr id="115" name="Straight Connector 114">
+                <a:extLst>
+                  <a:ext uri="{FF2B5EF4-FFF2-40B4-BE49-F238E27FC236}">
+                    <a16:creationId xmlns:a16="http://schemas.microsoft.com/office/drawing/2014/main" id="{44D28284-9C23-468F-B6B8-904DD9F80E3F}"/>
+                  </a:ext>
+                </a:extLst>
+              </p:cNvPr>
+              <p:cNvCxnSpPr/>
+              <p:nvPr/>
+            </p:nvCxnSpPr>
+            <p:spPr>
+              <a:xfrm>
+                <a:off x="5355006" y="3060700"/>
+                <a:ext cx="2496095" cy="0"/>
+              </a:xfrm>
+              <a:prstGeom prst="line">
+                <a:avLst/>
+              </a:prstGeom>
+              <a:ln w="63500" cap="rnd">
+                <a:solidFill>
+                  <a:srgbClr val="00B050"/>
+                </a:solidFill>
+              </a:ln>
+            </p:spPr>
+            <p:style>
+              <a:lnRef idx="1">
+                <a:schemeClr val="accent1"/>
+              </a:lnRef>
+              <a:fillRef idx="0">
+                <a:schemeClr val="accent1"/>
+              </a:fillRef>
+              <a:effectRef idx="0">
+                <a:schemeClr val="accent1"/>
+              </a:effectRef>
+              <a:fontRef idx="minor">
+                <a:schemeClr val="tx1"/>
+              </a:fontRef>
+            </p:style>
+          </p:cxnSp>
+          <p:cxnSp>
+            <p:nvCxnSpPr>
+              <p:cNvPr id="116" name="Straight Connector 115">
+                <a:extLst>
+                  <a:ext uri="{FF2B5EF4-FFF2-40B4-BE49-F238E27FC236}">
+                    <a16:creationId xmlns:a16="http://schemas.microsoft.com/office/drawing/2014/main" id="{3B361383-143C-4B31-A974-4FD57E92DFD2}"/>
+                  </a:ext>
+                </a:extLst>
+              </p:cNvPr>
+              <p:cNvCxnSpPr/>
+              <p:nvPr/>
+            </p:nvCxnSpPr>
+            <p:spPr>
+              <a:xfrm>
+                <a:off x="5355006" y="3461948"/>
+                <a:ext cx="2496095" cy="0"/>
+              </a:xfrm>
+              <a:prstGeom prst="line">
+                <a:avLst/>
+              </a:prstGeom>
+              <a:ln w="63500" cap="rnd">
+                <a:solidFill>
+                  <a:srgbClr val="00B050"/>
+                </a:solidFill>
+              </a:ln>
+            </p:spPr>
+            <p:style>
+              <a:lnRef idx="1">
+                <a:schemeClr val="accent1"/>
+              </a:lnRef>
+              <a:fillRef idx="0">
+                <a:schemeClr val="accent1"/>
+              </a:fillRef>
+              <a:effectRef idx="0">
+                <a:schemeClr val="accent1"/>
+              </a:effectRef>
+              <a:fontRef idx="minor">
+                <a:schemeClr val="tx1"/>
+              </a:fontRef>
+            </p:style>
+          </p:cxnSp>
+          <p:cxnSp>
+            <p:nvCxnSpPr>
+              <p:cNvPr id="117" name="Straight Connector 116">
+                <a:extLst>
+                  <a:ext uri="{FF2B5EF4-FFF2-40B4-BE49-F238E27FC236}">
+                    <a16:creationId xmlns:a16="http://schemas.microsoft.com/office/drawing/2014/main" id="{02567293-4562-48E6-BABC-1228202A8453}"/>
+                  </a:ext>
+                </a:extLst>
+              </p:cNvPr>
+              <p:cNvCxnSpPr/>
+              <p:nvPr/>
+            </p:nvCxnSpPr>
+            <p:spPr>
+              <a:xfrm>
+                <a:off x="5355006" y="3863196"/>
+                <a:ext cx="2496095" cy="0"/>
+              </a:xfrm>
+              <a:prstGeom prst="line">
+                <a:avLst/>
+              </a:prstGeom>
+              <a:ln w="63500" cap="rnd">
+                <a:solidFill>
+                  <a:srgbClr val="00B050"/>
+                </a:solidFill>
+              </a:ln>
+            </p:spPr>
+            <p:style>
+              <a:lnRef idx="1">
+                <a:schemeClr val="accent1"/>
+              </a:lnRef>
+              <a:fillRef idx="0">
+                <a:schemeClr val="accent1"/>
+              </a:fillRef>
+              <a:effectRef idx="0">
+                <a:schemeClr val="accent1"/>
+              </a:effectRef>
+              <a:fontRef idx="minor">
+                <a:schemeClr val="tx1"/>
+              </a:fontRef>
+            </p:style>
+          </p:cxnSp>
+          <p:cxnSp>
+            <p:nvCxnSpPr>
+              <p:cNvPr id="118" name="Straight Connector 117">
+                <a:extLst>
+                  <a:ext uri="{FF2B5EF4-FFF2-40B4-BE49-F238E27FC236}">
+                    <a16:creationId xmlns:a16="http://schemas.microsoft.com/office/drawing/2014/main" id="{35FE655D-6F18-4B16-BAF3-A35F9CF32732}"/>
+                  </a:ext>
+                </a:extLst>
+              </p:cNvPr>
+              <p:cNvCxnSpPr/>
+              <p:nvPr/>
+            </p:nvCxnSpPr>
+            <p:spPr>
+              <a:xfrm>
+                <a:off x="5355006" y="4264445"/>
+                <a:ext cx="2496095" cy="0"/>
+              </a:xfrm>
+              <a:prstGeom prst="line">
+                <a:avLst/>
+              </a:prstGeom>
+              <a:ln w="63500" cap="rnd">
+                <a:solidFill>
+                  <a:srgbClr val="00B050"/>
+                </a:solidFill>
+              </a:ln>
+            </p:spPr>
+            <p:style>
+              <a:lnRef idx="1">
+                <a:schemeClr val="accent1"/>
+              </a:lnRef>
+              <a:fillRef idx="0">
+                <a:schemeClr val="accent1"/>
+              </a:fillRef>
+              <a:effectRef idx="0">
+                <a:schemeClr val="accent1"/>
+              </a:effectRef>
+              <a:fontRef idx="minor">
+                <a:schemeClr val="tx1"/>
+              </a:fontRef>
+            </p:style>
+          </p:cxnSp>
+        </p:grpSp>
+        <p:sp>
+          <p:nvSpPr>
+            <p:cNvPr id="119" name="Oval 118">
+              <a:extLst>
+                <a:ext uri="{FF2B5EF4-FFF2-40B4-BE49-F238E27FC236}">
+                  <a16:creationId xmlns:a16="http://schemas.microsoft.com/office/drawing/2014/main" id="{3DB8D41C-F2BF-43E9-8114-5F5140110185}"/>
+                </a:ext>
+              </a:extLst>
+            </p:cNvPr>
+            <p:cNvSpPr/>
+            <p:nvPr/>
+          </p:nvSpPr>
           <p:spPr>
             <a:xfrm>
-              <a:off x="5355006" y="3060700"/>
-              <a:ext cx="2496095" cy="0"/>
+              <a:off x="5756962" y="870247"/>
+              <a:ext cx="191058" cy="191058"/>
             </a:xfrm>
-            <a:prstGeom prst="line">
+            <a:prstGeom prst="ellipse">
               <a:avLst/>
             </a:prstGeom>
-            <a:ln w="63500" cap="rnd">
-              <a:solidFill>
-                <a:srgbClr val="FF6600"/>
-              </a:solidFill>
-            </a:ln>
+            <a:noFill/>
           </p:spPr>
           <p:style>
-            <a:lnRef idx="1">
-              <a:schemeClr val="accent1"/>
+            <a:lnRef idx="2">
+              <a:schemeClr val="accent1">
+                <a:shade val="50000"/>
+              </a:schemeClr>
             </a:lnRef>
-            <a:fillRef idx="0">
+            <a:fillRef idx="1">
               <a:schemeClr val="accent1"/>
             </a:fillRef>
             <a:effectRef idx="0">
               <a:schemeClr val="accent1"/>
             </a:effectRef>
             <a:fontRef idx="minor">
-              <a:schemeClr val="tx1"/>
+              <a:schemeClr val="lt1"/>
             </a:fontRef>
           </p:style>
-        </p:cxnSp>
-        <p:cxnSp>
-          <p:nvCxnSpPr>
-            <p:cNvPr id="107" name="Straight Connector 106">
+          <p:txBody>
+            <a:bodyPr rtlCol="0" anchor="ctr"/>
+            <a:lstStyle/>
+            <a:p>
+              <a:pPr algn="ctr"/>
+              <a:endParaRPr lang="en-US">
+                <a:latin typeface="Segoe UI" panose="020B0502040204020203" pitchFamily="34" charset="0"/>
+                <a:cs typeface="Segoe UI" panose="020B0502040204020203" pitchFamily="34" charset="0"/>
+              </a:endParaRPr>
+            </a:p>
+          </p:txBody>
+        </p:sp>
+        <p:sp>
+          <p:nvSpPr>
+            <p:cNvPr id="120" name="Oval 119">
               <a:extLst>
                 <a:ext uri="{FF2B5EF4-FFF2-40B4-BE49-F238E27FC236}">
-                  <a16:creationId xmlns:a16="http://schemas.microsoft.com/office/drawing/2014/main" id="{ADE290C4-5B3F-4AEF-921A-9945187115E3}"/>
+                  <a16:creationId xmlns:a16="http://schemas.microsoft.com/office/drawing/2014/main" id="{1668D41F-FE16-42F3-B205-510D3F317F44}"/>
                 </a:ext>
               </a:extLst>
             </p:cNvPr>
-            <p:cNvCxnSpPr/>
+            <p:cNvSpPr/>
             <p:nvPr/>
-          </p:nvCxnSpPr>
+          </p:nvSpPr>
           <p:spPr>
             <a:xfrm>
-              <a:off x="5355006" y="3461948"/>
-              <a:ext cx="2496095" cy="0"/>
+              <a:off x="6158210" y="870247"/>
+              <a:ext cx="191058" cy="191058"/>
             </a:xfrm>
-            <a:prstGeom prst="line">
+            <a:prstGeom prst="ellipse">
               <a:avLst/>
             </a:prstGeom>
-            <a:ln w="63500" cap="rnd">
-              <a:solidFill>
-                <a:srgbClr val="FF6600"/>
-              </a:solidFill>
-            </a:ln>
+            <a:noFill/>
           </p:spPr>
           <p:style>
-            <a:lnRef idx="1">
-              <a:schemeClr val="accent1"/>
+            <a:lnRef idx="2">
+              <a:schemeClr val="accent1">
+                <a:shade val="50000"/>
+              </a:schemeClr>
             </a:lnRef>
-            <a:fillRef idx="0">
+            <a:fillRef idx="1">
               <a:schemeClr val="accent1"/>
             </a:fillRef>
             <a:effectRef idx="0">
               <a:schemeClr val="accent1"/>
             </a:effectRef>
             <a:fontRef idx="minor">
-              <a:schemeClr val="tx1"/>
+              <a:schemeClr val="lt1"/>
             </a:fontRef>
           </p:style>
-        </p:cxnSp>
-        <p:cxnSp>
-          <p:nvCxnSpPr>
-            <p:cNvPr id="111" name="Straight Connector 110">
+          <p:txBody>
+            <a:bodyPr rtlCol="0" anchor="ctr"/>
+            <a:lstStyle/>
+            <a:p>
+              <a:pPr algn="ctr"/>
+              <a:endParaRPr lang="en-US">
+                <a:latin typeface="Segoe UI" panose="020B0502040204020203" pitchFamily="34" charset="0"/>
+                <a:cs typeface="Segoe UI" panose="020B0502040204020203" pitchFamily="34" charset="0"/>
+              </a:endParaRPr>
+            </a:p>
+          </p:txBody>
+        </p:sp>
+        <p:sp>
+          <p:nvSpPr>
+            <p:cNvPr id="121" name="Oval 120">
               <a:extLst>
                 <a:ext uri="{FF2B5EF4-FFF2-40B4-BE49-F238E27FC236}">
-                  <a16:creationId xmlns:a16="http://schemas.microsoft.com/office/drawing/2014/main" id="{9F0411CE-BC4C-4D86-9D11-62A99FF0A8F0}"/>
+                  <a16:creationId xmlns:a16="http://schemas.microsoft.com/office/drawing/2014/main" id="{070E8832-AF1C-4F01-B065-D162DE66D547}"/>
                 </a:ext>
               </a:extLst>
             </p:cNvPr>
-            <p:cNvCxnSpPr/>
+            <p:cNvSpPr/>
             <p:nvPr/>
-          </p:nvCxnSpPr>
+          </p:nvSpPr>
           <p:spPr>
             <a:xfrm>
-              <a:off x="5355006" y="3863196"/>
-              <a:ext cx="2496095" cy="0"/>
+              <a:off x="6559457" y="870247"/>
+              <a:ext cx="191058" cy="191058"/>
             </a:xfrm>
-            <a:prstGeom prst="line">
+            <a:prstGeom prst="ellipse">
               <a:avLst/>
             </a:prstGeom>
-            <a:ln w="63500" cap="rnd">
-              <a:solidFill>
-                <a:srgbClr val="FF6600"/>
-              </a:solidFill>
-            </a:ln>
+            <a:noFill/>
           </p:spPr>
           <p:style>
-            <a:lnRef idx="1">
-              <a:schemeClr val="accent1"/>
+            <a:lnRef idx="2">
+              <a:schemeClr val="accent1">
+                <a:shade val="50000"/>
+              </a:schemeClr>
             </a:lnRef>
-            <a:fillRef idx="0">
+            <a:fillRef idx="1">
               <a:schemeClr val="accent1"/>
             </a:fillRef>
             <a:effectRef idx="0">
               <a:schemeClr val="accent1"/>
             </a:effectRef>
             <a:fontRef idx="minor">
-              <a:schemeClr val="tx1"/>
+              <a:schemeClr val="lt1"/>
             </a:fontRef>
           </p:style>
-        </p:cxnSp>
-        <p:cxnSp>
-          <p:nvCxnSpPr>
-            <p:cNvPr id="112" name="Straight Connector 111">
+          <p:txBody>
+            <a:bodyPr rtlCol="0" anchor="ctr"/>
+            <a:lstStyle/>
+            <a:p>
+              <a:pPr algn="ctr"/>
+              <a:endParaRPr lang="en-US">
+                <a:latin typeface="Segoe UI" panose="020B0502040204020203" pitchFamily="34" charset="0"/>
+                <a:cs typeface="Segoe UI" panose="020B0502040204020203" pitchFamily="34" charset="0"/>
+              </a:endParaRPr>
+            </a:p>
+          </p:txBody>
+        </p:sp>
+        <p:sp>
+          <p:nvSpPr>
+            <p:cNvPr id="122" name="Oval 121">
               <a:extLst>
                 <a:ext uri="{FF2B5EF4-FFF2-40B4-BE49-F238E27FC236}">
-                  <a16:creationId xmlns:a16="http://schemas.microsoft.com/office/drawing/2014/main" id="{2C07EC70-A393-4A78-8AE7-BF9F12B21A24}"/>
+                  <a16:creationId xmlns:a16="http://schemas.microsoft.com/office/drawing/2014/main" id="{EEF8F2CF-6092-4918-AA70-47F1F94613E2}"/>
                 </a:ext>
               </a:extLst>
             </p:cNvPr>
-            <p:cNvCxnSpPr/>
+            <p:cNvSpPr/>
             <p:nvPr/>
-          </p:nvCxnSpPr>
+          </p:nvSpPr>
           <p:spPr>
             <a:xfrm>
-              <a:off x="5355006" y="4264445"/>
-              <a:ext cx="2496095" cy="0"/>
+              <a:off x="6959065" y="870247"/>
+              <a:ext cx="191058" cy="191058"/>
             </a:xfrm>
-            <a:prstGeom prst="line">
+            <a:prstGeom prst="ellipse">
               <a:avLst/>
             </a:prstGeom>
-            <a:ln w="63500" cap="rnd">
-              <a:solidFill>
-                <a:srgbClr val="FF6600"/>
-              </a:solidFill>
-            </a:ln>
+            <a:noFill/>
           </p:spPr>
           <p:style>
-            <a:lnRef idx="1">
-              <a:schemeClr val="accent1"/>
+            <a:lnRef idx="2">
+              <a:schemeClr val="accent1">
+                <a:shade val="50000"/>
+              </a:schemeClr>
             </a:lnRef>
-            <a:fillRef idx="0">
+            <a:fillRef idx="1">
               <a:schemeClr val="accent1"/>
             </a:fillRef>
             <a:effectRef idx="0">
               <a:schemeClr val="accent1"/>
             </a:effectRef>
             <a:fontRef idx="minor">
-              <a:schemeClr val="tx1"/>
+              <a:schemeClr val="lt1"/>
             </a:fontRef>
           </p:style>
-        </p:cxnSp>
-      </p:grpSp>
-      <p:grpSp>
-        <p:nvGrpSpPr>
-          <p:cNvPr id="114" name="Group 113">
-            <a:extLst>
-              <a:ext uri="{FF2B5EF4-FFF2-40B4-BE49-F238E27FC236}">
-                <a16:creationId xmlns:a16="http://schemas.microsoft.com/office/drawing/2014/main" id="{A62FD6A1-FF66-4838-9A9E-3554ED889050}"/>
-              </a:ext>
-            </a:extLst>
-          </p:cNvPr>
-          <p:cNvGrpSpPr/>
-          <p:nvPr/>
-        </p:nvGrpSpPr>
-        <p:grpSpPr>
-          <a:xfrm rot="5400000">
-            <a:off x="5539963" y="1099782"/>
-            <a:ext cx="1828800" cy="1203745"/>
-            <a:chOff x="5355006" y="3060700"/>
-            <a:chExt cx="2496095" cy="1203745"/>
-          </a:xfrm>
-        </p:grpSpPr>
-        <p:cxnSp>
-          <p:nvCxnSpPr>
-            <p:cNvPr id="115" name="Straight Connector 114">
+          <p:txBody>
+            <a:bodyPr rtlCol="0" anchor="ctr"/>
+            <a:lstStyle/>
+            <a:p>
+              <a:pPr algn="ctr"/>
+              <a:endParaRPr lang="en-US">
+                <a:latin typeface="Segoe UI" panose="020B0502040204020203" pitchFamily="34" charset="0"/>
+                <a:cs typeface="Segoe UI" panose="020B0502040204020203" pitchFamily="34" charset="0"/>
+              </a:endParaRPr>
+            </a:p>
+          </p:txBody>
+        </p:sp>
+        <p:sp>
+          <p:nvSpPr>
+            <p:cNvPr id="123" name="Oval 122">
               <a:extLst>
                 <a:ext uri="{FF2B5EF4-FFF2-40B4-BE49-F238E27FC236}">
-                  <a16:creationId xmlns:a16="http://schemas.microsoft.com/office/drawing/2014/main" id="{44D28284-9C23-468F-B6B8-904DD9F80E3F}"/>
+                  <a16:creationId xmlns:a16="http://schemas.microsoft.com/office/drawing/2014/main" id="{F6184DE1-25A6-4608-9878-68B7D5A21CF6}"/>
                 </a:ext>
               </a:extLst>
             </p:cNvPr>
-            <p:cNvCxnSpPr/>
+            <p:cNvSpPr/>
             <p:nvPr/>
-          </p:nvCxnSpPr>
+          </p:nvSpPr>
           <p:spPr>
             <a:xfrm>
-              <a:off x="5355006" y="3060700"/>
-              <a:ext cx="2496095" cy="0"/>
+              <a:off x="5756962" y="1271494"/>
+              <a:ext cx="191058" cy="191058"/>
             </a:xfrm>
-            <a:prstGeom prst="line">
+            <a:prstGeom prst="ellipse">
               <a:avLst/>
             </a:prstGeom>
-            <a:ln w="63500" cap="rnd">
-              <a:solidFill>
-                <a:srgbClr val="00B050"/>
-              </a:solidFill>
-            </a:ln>
+            <a:noFill/>
           </p:spPr>
           <p:style>
-            <a:lnRef idx="1">
-              <a:schemeClr val="accent1"/>
+            <a:lnRef idx="2">
+              <a:schemeClr val="accent1">
+                <a:shade val="50000"/>
+              </a:schemeClr>
             </a:lnRef>
-            <a:fillRef idx="0">
+            <a:fillRef idx="1">
               <a:schemeClr val="accent1"/>
             </a:fillRef>
             <a:effectRef idx="0">
               <a:schemeClr val="accent1"/>
             </a:effectRef>
             <a:fontRef idx="minor">
-              <a:schemeClr val="tx1"/>
+              <a:schemeClr val="lt1"/>
             </a:fontRef>
           </p:style>
-        </p:cxnSp>
-        <p:cxnSp>
-          <p:nvCxnSpPr>
-            <p:cNvPr id="116" name="Straight Connector 115">
+          <p:txBody>
+            <a:bodyPr rtlCol="0" anchor="ctr"/>
+            <a:lstStyle/>
+            <a:p>
+              <a:pPr algn="ctr"/>
+              <a:endParaRPr lang="en-US">
+                <a:latin typeface="Segoe UI" panose="020B0502040204020203" pitchFamily="34" charset="0"/>
+                <a:cs typeface="Segoe UI" panose="020B0502040204020203" pitchFamily="34" charset="0"/>
+              </a:endParaRPr>
+            </a:p>
+          </p:txBody>
+        </p:sp>
+        <p:sp>
+          <p:nvSpPr>
+            <p:cNvPr id="124" name="Oval 123">
               <a:extLst>
                 <a:ext uri="{FF2B5EF4-FFF2-40B4-BE49-F238E27FC236}">
-                  <a16:creationId xmlns:a16="http://schemas.microsoft.com/office/drawing/2014/main" id="{3B361383-143C-4B31-A974-4FD57E92DFD2}"/>
+                  <a16:creationId xmlns:a16="http://schemas.microsoft.com/office/drawing/2014/main" id="{468EA8C8-B6E9-4297-95DE-3C5B79306979}"/>
                 </a:ext>
               </a:extLst>
             </p:cNvPr>
-            <p:cNvCxnSpPr/>
+            <p:cNvSpPr/>
             <p:nvPr/>
-          </p:nvCxnSpPr>
+          </p:nvSpPr>
           <p:spPr>
             <a:xfrm>
-              <a:off x="5355006" y="3461948"/>
-              <a:ext cx="2496095" cy="0"/>
+              <a:off x="6158210" y="1271494"/>
+              <a:ext cx="191058" cy="191058"/>
             </a:xfrm>
-            <a:prstGeom prst="line">
+            <a:prstGeom prst="ellipse">
               <a:avLst/>
             </a:prstGeom>
-            <a:ln w="63500" cap="rnd">
-              <a:solidFill>
-                <a:srgbClr val="00B050"/>
-              </a:solidFill>
-            </a:ln>
+            <a:noFill/>
           </p:spPr>
           <p:style>
-            <a:lnRef idx="1">
-              <a:schemeClr val="accent1"/>
+            <a:lnRef idx="2">
+              <a:schemeClr val="accent1">
+                <a:shade val="50000"/>
+              </a:schemeClr>
             </a:lnRef>
-            <a:fillRef idx="0">
+            <a:fillRef idx="1">
               <a:schemeClr val="accent1"/>
             </a:fillRef>
             <a:effectRef idx="0">
               <a:schemeClr val="accent1"/>
             </a:effectRef>
             <a:fontRef idx="minor">
-              <a:schemeClr val="tx1"/>
+              <a:schemeClr val="lt1"/>
             </a:fontRef>
           </p:style>
-        </p:cxnSp>
-        <p:cxnSp>
-          <p:nvCxnSpPr>
-            <p:cNvPr id="117" name="Straight Connector 116">
+          <p:txBody>
+            <a:bodyPr rtlCol="0" anchor="ctr"/>
+            <a:lstStyle/>
+            <a:p>
+              <a:pPr algn="ctr"/>
+              <a:endParaRPr lang="en-US">
+                <a:latin typeface="Segoe UI" panose="020B0502040204020203" pitchFamily="34" charset="0"/>
+                <a:cs typeface="Segoe UI" panose="020B0502040204020203" pitchFamily="34" charset="0"/>
+              </a:endParaRPr>
+            </a:p>
+          </p:txBody>
+        </p:sp>
+        <p:sp>
+          <p:nvSpPr>
+            <p:cNvPr id="125" name="Oval 124">
               <a:extLst>
                 <a:ext uri="{FF2B5EF4-FFF2-40B4-BE49-F238E27FC236}">
-                  <a16:creationId xmlns:a16="http://schemas.microsoft.com/office/drawing/2014/main" id="{02567293-4562-48E6-BABC-1228202A8453}"/>
+                  <a16:creationId xmlns:a16="http://schemas.microsoft.com/office/drawing/2014/main" id="{0EA17838-B081-442C-8F8F-1B6B9A54D7D3}"/>
                 </a:ext>
               </a:extLst>
             </p:cNvPr>
-            <p:cNvCxnSpPr/>
+            <p:cNvSpPr/>
             <p:nvPr/>
-          </p:nvCxnSpPr>
+          </p:nvSpPr>
           <p:spPr>
             <a:xfrm>
-              <a:off x="5355006" y="3863196"/>
-              <a:ext cx="2496095" cy="0"/>
+              <a:off x="6559457" y="1271494"/>
+              <a:ext cx="191058" cy="191058"/>
             </a:xfrm>
-            <a:prstGeom prst="line">
+            <a:prstGeom prst="ellipse">
               <a:avLst/>
             </a:prstGeom>
-            <a:ln w="63500" cap="rnd">
-              <a:solidFill>
-                <a:srgbClr val="00B050"/>
-              </a:solidFill>
-            </a:ln>
+            <a:noFill/>
           </p:spPr>
           <p:style>
-            <a:lnRef idx="1">
-              <a:schemeClr val="accent1"/>
+            <a:lnRef idx="2">
+              <a:schemeClr val="accent1">
+                <a:shade val="50000"/>
+              </a:schemeClr>
             </a:lnRef>
-            <a:fillRef idx="0">
+            <a:fillRef idx="1">
               <a:schemeClr val="accent1"/>
             </a:fillRef>
             <a:effectRef idx="0">
               <a:schemeClr val="accent1"/>
             </a:effectRef>
             <a:fontRef idx="minor">
-              <a:schemeClr val="tx1"/>
+              <a:schemeClr val="lt1"/>
             </a:fontRef>
           </p:style>
-        </p:cxnSp>
-        <p:cxnSp>
-          <p:nvCxnSpPr>
-            <p:cNvPr id="118" name="Straight Connector 117">
+          <p:txBody>
+            <a:bodyPr rtlCol="0" anchor="ctr"/>
+            <a:lstStyle/>
+            <a:p>
+              <a:pPr algn="ctr"/>
+              <a:endParaRPr lang="en-US">
+                <a:latin typeface="Segoe UI" panose="020B0502040204020203" pitchFamily="34" charset="0"/>
+                <a:cs typeface="Segoe UI" panose="020B0502040204020203" pitchFamily="34" charset="0"/>
+              </a:endParaRPr>
+            </a:p>
+          </p:txBody>
+        </p:sp>
+        <p:sp>
+          <p:nvSpPr>
+            <p:cNvPr id="126" name="Oval 125">
               <a:extLst>
                 <a:ext uri="{FF2B5EF4-FFF2-40B4-BE49-F238E27FC236}">
-                  <a16:creationId xmlns:a16="http://schemas.microsoft.com/office/drawing/2014/main" id="{35FE655D-6F18-4B16-BAF3-A35F9CF32732}"/>
+                  <a16:creationId xmlns:a16="http://schemas.microsoft.com/office/drawing/2014/main" id="{EB31220B-FAF1-4AF4-8CFC-A4B4B4A7FD84}"/>
                 </a:ext>
               </a:extLst>
             </p:cNvPr>
-            <p:cNvCxnSpPr/>
+            <p:cNvSpPr/>
             <p:nvPr/>
-          </p:nvCxnSpPr>
+          </p:nvSpPr>
           <p:spPr>
             <a:xfrm>
-              <a:off x="5355006" y="4264445"/>
-              <a:ext cx="2496095" cy="0"/>
+              <a:off x="6959065" y="1271494"/>
+              <a:ext cx="191058" cy="191058"/>
             </a:xfrm>
-            <a:prstGeom prst="line">
+            <a:prstGeom prst="ellipse">
               <a:avLst/>
             </a:prstGeom>
-            <a:ln w="63500" cap="rnd">
-              <a:solidFill>
-                <a:srgbClr val="00B050"/>
-              </a:solidFill>
-            </a:ln>
+            <a:noFill/>
           </p:spPr>
           <p:style>
-            <a:lnRef idx="1">
-              <a:schemeClr val="accent1"/>
+            <a:lnRef idx="2">
+              <a:schemeClr val="accent1">
+                <a:shade val="50000"/>
+              </a:schemeClr>
             </a:lnRef>
-            <a:fillRef idx="0">
+            <a:fillRef idx="1">
               <a:schemeClr val="accent1"/>
             </a:fillRef>
             <a:effectRef idx="0">
               <a:schemeClr val="accent1"/>
             </a:effectRef>
             <a:fontRef idx="minor">
-              <a:schemeClr val="tx1"/>
+              <a:schemeClr val="lt1"/>
             </a:fontRef>
           </p:style>
-        </p:cxnSp>
+          <p:txBody>
+            <a:bodyPr rtlCol="0" anchor="ctr"/>
+            <a:lstStyle/>
+            <a:p>
+              <a:pPr algn="ctr"/>
+              <a:endParaRPr lang="en-US">
+                <a:latin typeface="Segoe UI" panose="020B0502040204020203" pitchFamily="34" charset="0"/>
+                <a:cs typeface="Segoe UI" panose="020B0502040204020203" pitchFamily="34" charset="0"/>
+              </a:endParaRPr>
+            </a:p>
+          </p:txBody>
+        </p:sp>
+        <p:sp>
+          <p:nvSpPr>
+            <p:cNvPr id="127" name="Oval 126">
+              <a:extLst>
+                <a:ext uri="{FF2B5EF4-FFF2-40B4-BE49-F238E27FC236}">
+                  <a16:creationId xmlns:a16="http://schemas.microsoft.com/office/drawing/2014/main" id="{9EB38896-060B-4B96-9FE6-B73A650E1105}"/>
+                </a:ext>
+              </a:extLst>
+            </p:cNvPr>
+            <p:cNvSpPr/>
+            <p:nvPr/>
+          </p:nvSpPr>
+          <p:spPr>
+            <a:xfrm>
+              <a:off x="5756962" y="1672164"/>
+              <a:ext cx="191058" cy="191058"/>
+            </a:xfrm>
+            <a:prstGeom prst="ellipse">
+              <a:avLst/>
+            </a:prstGeom>
+            <a:noFill/>
+          </p:spPr>
+          <p:style>
+            <a:lnRef idx="2">
+              <a:schemeClr val="accent1">
+                <a:shade val="50000"/>
+              </a:schemeClr>
+            </a:lnRef>
+            <a:fillRef idx="1">
+              <a:schemeClr val="accent1"/>
+            </a:fillRef>
+            <a:effectRef idx="0">
+              <a:schemeClr val="accent1"/>
+            </a:effectRef>
+            <a:fontRef idx="minor">
+              <a:schemeClr val="lt1"/>
+            </a:fontRef>
+          </p:style>
+          <p:txBody>
+            <a:bodyPr rtlCol="0" anchor="ctr"/>
+            <a:lstStyle/>
+            <a:p>
+              <a:pPr algn="ctr"/>
+              <a:endParaRPr lang="en-US">
+                <a:latin typeface="Segoe UI" panose="020B0502040204020203" pitchFamily="34" charset="0"/>
+                <a:cs typeface="Segoe UI" panose="020B0502040204020203" pitchFamily="34" charset="0"/>
+              </a:endParaRPr>
+            </a:p>
+          </p:txBody>
+        </p:sp>
+        <p:sp>
+          <p:nvSpPr>
+            <p:cNvPr id="128" name="Oval 127">
+              <a:extLst>
+                <a:ext uri="{FF2B5EF4-FFF2-40B4-BE49-F238E27FC236}">
+                  <a16:creationId xmlns:a16="http://schemas.microsoft.com/office/drawing/2014/main" id="{FB1DF867-23E8-4D92-8DB9-0A3B1FB7475F}"/>
+                </a:ext>
+              </a:extLst>
+            </p:cNvPr>
+            <p:cNvSpPr/>
+            <p:nvPr/>
+          </p:nvSpPr>
+          <p:spPr>
+            <a:xfrm>
+              <a:off x="6158210" y="1672164"/>
+              <a:ext cx="191058" cy="191058"/>
+            </a:xfrm>
+            <a:prstGeom prst="ellipse">
+              <a:avLst/>
+            </a:prstGeom>
+            <a:noFill/>
+          </p:spPr>
+          <p:style>
+            <a:lnRef idx="2">
+              <a:schemeClr val="accent1">
+                <a:shade val="50000"/>
+              </a:schemeClr>
+            </a:lnRef>
+            <a:fillRef idx="1">
+              <a:schemeClr val="accent1"/>
+            </a:fillRef>
+            <a:effectRef idx="0">
+              <a:schemeClr val="accent1"/>
+            </a:effectRef>
+            <a:fontRef idx="minor">
+              <a:schemeClr val="lt1"/>
+            </a:fontRef>
+          </p:style>
+          <p:txBody>
+            <a:bodyPr rtlCol="0" anchor="ctr"/>
+            <a:lstStyle/>
+            <a:p>
+              <a:pPr algn="ctr"/>
+              <a:endParaRPr lang="en-US">
+                <a:latin typeface="Segoe UI" panose="020B0502040204020203" pitchFamily="34" charset="0"/>
+                <a:cs typeface="Segoe UI" panose="020B0502040204020203" pitchFamily="34" charset="0"/>
+              </a:endParaRPr>
+            </a:p>
+          </p:txBody>
+        </p:sp>
+        <p:sp>
+          <p:nvSpPr>
+            <p:cNvPr id="129" name="Oval 128">
+              <a:extLst>
+                <a:ext uri="{FF2B5EF4-FFF2-40B4-BE49-F238E27FC236}">
+                  <a16:creationId xmlns:a16="http://schemas.microsoft.com/office/drawing/2014/main" id="{22DCD5F3-B1E2-474E-AAB6-96826A509F32}"/>
+                </a:ext>
+              </a:extLst>
+            </p:cNvPr>
+            <p:cNvSpPr/>
+            <p:nvPr/>
+          </p:nvSpPr>
+          <p:spPr>
+            <a:xfrm>
+              <a:off x="6559457" y="1672164"/>
+              <a:ext cx="191058" cy="191058"/>
+            </a:xfrm>
+            <a:prstGeom prst="ellipse">
+              <a:avLst/>
+            </a:prstGeom>
+            <a:noFill/>
+          </p:spPr>
+          <p:style>
+            <a:lnRef idx="2">
+              <a:schemeClr val="accent1">
+                <a:shade val="50000"/>
+              </a:schemeClr>
+            </a:lnRef>
+            <a:fillRef idx="1">
+              <a:schemeClr val="accent1"/>
+            </a:fillRef>
+            <a:effectRef idx="0">
+              <a:schemeClr val="accent1"/>
+            </a:effectRef>
+            <a:fontRef idx="minor">
+              <a:schemeClr val="lt1"/>
+            </a:fontRef>
+          </p:style>
+          <p:txBody>
+            <a:bodyPr rtlCol="0" anchor="ctr"/>
+            <a:lstStyle/>
+            <a:p>
+              <a:pPr algn="ctr"/>
+              <a:endParaRPr lang="en-US">
+                <a:latin typeface="Segoe UI" panose="020B0502040204020203" pitchFamily="34" charset="0"/>
+                <a:cs typeface="Segoe UI" panose="020B0502040204020203" pitchFamily="34" charset="0"/>
+              </a:endParaRPr>
+            </a:p>
+          </p:txBody>
+        </p:sp>
+        <p:sp>
+          <p:nvSpPr>
+            <p:cNvPr id="130" name="Oval 129">
+              <a:extLst>
+                <a:ext uri="{FF2B5EF4-FFF2-40B4-BE49-F238E27FC236}">
+                  <a16:creationId xmlns:a16="http://schemas.microsoft.com/office/drawing/2014/main" id="{03A99809-C603-4039-B85D-5791E543FFA9}"/>
+                </a:ext>
+              </a:extLst>
+            </p:cNvPr>
+            <p:cNvSpPr/>
+            <p:nvPr/>
+          </p:nvSpPr>
+          <p:spPr>
+            <a:xfrm>
+              <a:off x="6959065" y="1672164"/>
+              <a:ext cx="191058" cy="191058"/>
+            </a:xfrm>
+            <a:prstGeom prst="ellipse">
+              <a:avLst/>
+            </a:prstGeom>
+            <a:noFill/>
+          </p:spPr>
+          <p:style>
+            <a:lnRef idx="2">
+              <a:schemeClr val="accent1">
+                <a:shade val="50000"/>
+              </a:schemeClr>
+            </a:lnRef>
+            <a:fillRef idx="1">
+              <a:schemeClr val="accent1"/>
+            </a:fillRef>
+            <a:effectRef idx="0">
+              <a:schemeClr val="accent1"/>
+            </a:effectRef>
+            <a:fontRef idx="minor">
+              <a:schemeClr val="lt1"/>
+            </a:fontRef>
+          </p:style>
+          <p:txBody>
+            <a:bodyPr rtlCol="0" anchor="ctr"/>
+            <a:lstStyle/>
+            <a:p>
+              <a:pPr algn="ctr"/>
+              <a:endParaRPr lang="en-US">
+                <a:latin typeface="Segoe UI" panose="020B0502040204020203" pitchFamily="34" charset="0"/>
+                <a:cs typeface="Segoe UI" panose="020B0502040204020203" pitchFamily="34" charset="0"/>
+              </a:endParaRPr>
+            </a:p>
+          </p:txBody>
+        </p:sp>
+        <p:sp>
+          <p:nvSpPr>
+            <p:cNvPr id="131" name="Oval 130">
+              <a:extLst>
+                <a:ext uri="{FF2B5EF4-FFF2-40B4-BE49-F238E27FC236}">
+                  <a16:creationId xmlns:a16="http://schemas.microsoft.com/office/drawing/2014/main" id="{A9F50005-BD35-4303-9B02-4D70279ED218}"/>
+                </a:ext>
+              </a:extLst>
+            </p:cNvPr>
+            <p:cNvSpPr/>
+            <p:nvPr/>
+          </p:nvSpPr>
+          <p:spPr>
+            <a:xfrm>
+              <a:off x="5756962" y="2074671"/>
+              <a:ext cx="191058" cy="191058"/>
+            </a:xfrm>
+            <a:prstGeom prst="ellipse">
+              <a:avLst/>
+            </a:prstGeom>
+            <a:noFill/>
+          </p:spPr>
+          <p:style>
+            <a:lnRef idx="2">
+              <a:schemeClr val="accent1">
+                <a:shade val="50000"/>
+              </a:schemeClr>
+            </a:lnRef>
+            <a:fillRef idx="1">
+              <a:schemeClr val="accent1"/>
+            </a:fillRef>
+            <a:effectRef idx="0">
+              <a:schemeClr val="accent1"/>
+            </a:effectRef>
+            <a:fontRef idx="minor">
+              <a:schemeClr val="lt1"/>
+            </a:fontRef>
+          </p:style>
+          <p:txBody>
+            <a:bodyPr rtlCol="0" anchor="ctr"/>
+            <a:lstStyle/>
+            <a:p>
+              <a:pPr algn="ctr"/>
+              <a:endParaRPr lang="en-US">
+                <a:latin typeface="Segoe UI" panose="020B0502040204020203" pitchFamily="34" charset="0"/>
+                <a:cs typeface="Segoe UI" panose="020B0502040204020203" pitchFamily="34" charset="0"/>
+              </a:endParaRPr>
+            </a:p>
+          </p:txBody>
+        </p:sp>
+        <p:sp>
+          <p:nvSpPr>
+            <p:cNvPr id="132" name="Oval 131">
+              <a:extLst>
+                <a:ext uri="{FF2B5EF4-FFF2-40B4-BE49-F238E27FC236}">
+                  <a16:creationId xmlns:a16="http://schemas.microsoft.com/office/drawing/2014/main" id="{FBCBDB78-4BF9-4808-8CF1-664B6DEB4BC1}"/>
+                </a:ext>
+              </a:extLst>
+            </p:cNvPr>
+            <p:cNvSpPr/>
+            <p:nvPr/>
+          </p:nvSpPr>
+          <p:spPr>
+            <a:xfrm>
+              <a:off x="6158210" y="2074671"/>
+              <a:ext cx="191058" cy="191058"/>
+            </a:xfrm>
+            <a:prstGeom prst="ellipse">
+              <a:avLst/>
+            </a:prstGeom>
+            <a:noFill/>
+          </p:spPr>
+          <p:style>
+            <a:lnRef idx="2">
+              <a:schemeClr val="accent1">
+                <a:shade val="50000"/>
+              </a:schemeClr>
+            </a:lnRef>
+            <a:fillRef idx="1">
+              <a:schemeClr val="accent1"/>
+            </a:fillRef>
+            <a:effectRef idx="0">
+              <a:schemeClr val="accent1"/>
+            </a:effectRef>
+            <a:fontRef idx="minor">
+              <a:schemeClr val="lt1"/>
+            </a:fontRef>
+          </p:style>
+          <p:txBody>
+            <a:bodyPr rtlCol="0" anchor="ctr"/>
+            <a:lstStyle/>
+            <a:p>
+              <a:pPr algn="ctr"/>
+              <a:endParaRPr lang="en-US">
+                <a:latin typeface="Segoe UI" panose="020B0502040204020203" pitchFamily="34" charset="0"/>
+                <a:cs typeface="Segoe UI" panose="020B0502040204020203" pitchFamily="34" charset="0"/>
+              </a:endParaRPr>
+            </a:p>
+          </p:txBody>
+        </p:sp>
+        <p:sp>
+          <p:nvSpPr>
+            <p:cNvPr id="133" name="Oval 132">
+              <a:extLst>
+                <a:ext uri="{FF2B5EF4-FFF2-40B4-BE49-F238E27FC236}">
+                  <a16:creationId xmlns:a16="http://schemas.microsoft.com/office/drawing/2014/main" id="{6E65DB55-6DD1-4A77-8159-4FB9F6C2CA22}"/>
+                </a:ext>
+              </a:extLst>
+            </p:cNvPr>
+            <p:cNvSpPr/>
+            <p:nvPr/>
+          </p:nvSpPr>
+          <p:spPr>
+            <a:xfrm>
+              <a:off x="6559457" y="2074671"/>
+              <a:ext cx="191058" cy="191058"/>
+            </a:xfrm>
+            <a:prstGeom prst="ellipse">
+              <a:avLst/>
+            </a:prstGeom>
+            <a:noFill/>
+          </p:spPr>
+          <p:style>
+            <a:lnRef idx="2">
+              <a:schemeClr val="accent1">
+                <a:shade val="50000"/>
+              </a:schemeClr>
+            </a:lnRef>
+            <a:fillRef idx="1">
+              <a:schemeClr val="accent1"/>
+            </a:fillRef>
+            <a:effectRef idx="0">
+              <a:schemeClr val="accent1"/>
+            </a:effectRef>
+            <a:fontRef idx="minor">
+              <a:schemeClr val="lt1"/>
+            </a:fontRef>
+          </p:style>
+          <p:txBody>
+            <a:bodyPr rtlCol="0" anchor="ctr"/>
+            <a:lstStyle/>
+            <a:p>
+              <a:pPr algn="ctr"/>
+              <a:endParaRPr lang="en-US">
+                <a:latin typeface="Segoe UI" panose="020B0502040204020203" pitchFamily="34" charset="0"/>
+                <a:cs typeface="Segoe UI" panose="020B0502040204020203" pitchFamily="34" charset="0"/>
+              </a:endParaRPr>
+            </a:p>
+          </p:txBody>
+        </p:sp>
+        <p:sp>
+          <p:nvSpPr>
+            <p:cNvPr id="134" name="Oval 133">
+              <a:extLst>
+                <a:ext uri="{FF2B5EF4-FFF2-40B4-BE49-F238E27FC236}">
+                  <a16:creationId xmlns:a16="http://schemas.microsoft.com/office/drawing/2014/main" id="{3CF99F45-FE93-43AB-AC40-5746911FC173}"/>
+                </a:ext>
+              </a:extLst>
+            </p:cNvPr>
+            <p:cNvSpPr/>
+            <p:nvPr/>
+          </p:nvSpPr>
+          <p:spPr>
+            <a:xfrm>
+              <a:off x="6959065" y="2074671"/>
+              <a:ext cx="191058" cy="191058"/>
+            </a:xfrm>
+            <a:prstGeom prst="ellipse">
+              <a:avLst/>
+            </a:prstGeom>
+            <a:noFill/>
+          </p:spPr>
+          <p:style>
+            <a:lnRef idx="2">
+              <a:schemeClr val="accent1">
+                <a:shade val="50000"/>
+              </a:schemeClr>
+            </a:lnRef>
+            <a:fillRef idx="1">
+              <a:schemeClr val="accent1"/>
+            </a:fillRef>
+            <a:effectRef idx="0">
+              <a:schemeClr val="accent1"/>
+            </a:effectRef>
+            <a:fontRef idx="minor">
+              <a:schemeClr val="lt1"/>
+            </a:fontRef>
+          </p:style>
+          <p:txBody>
+            <a:bodyPr rtlCol="0" anchor="ctr"/>
+            <a:lstStyle/>
+            <a:p>
+              <a:pPr algn="ctr"/>
+              <a:endParaRPr lang="en-US">
+                <a:latin typeface="Segoe UI" panose="020B0502040204020203" pitchFamily="34" charset="0"/>
+                <a:cs typeface="Segoe UI" panose="020B0502040204020203" pitchFamily="34" charset="0"/>
+              </a:endParaRPr>
+            </a:p>
+          </p:txBody>
+        </p:sp>
+        <p:sp>
+          <p:nvSpPr>
+            <p:cNvPr id="136" name="TextBox 135">
+              <a:extLst>
+                <a:ext uri="{FF2B5EF4-FFF2-40B4-BE49-F238E27FC236}">
+                  <a16:creationId xmlns:a16="http://schemas.microsoft.com/office/drawing/2014/main" id="{FB3FB936-39A5-4D96-AEC4-3E1862EC18DC}"/>
+                </a:ext>
+              </a:extLst>
+            </p:cNvPr>
+            <p:cNvSpPr txBox="1"/>
+            <p:nvPr/>
+          </p:nvSpPr>
+          <p:spPr>
+            <a:xfrm>
+              <a:off x="4436305" y="735866"/>
+              <a:ext cx="1039067" cy="369332"/>
+            </a:xfrm>
+            <a:prstGeom prst="rect">
+              <a:avLst/>
+            </a:prstGeom>
+            <a:noFill/>
+          </p:spPr>
+          <p:txBody>
+            <a:bodyPr wrap="none" rtlCol="0">
+              <a:spAutoFit/>
+            </a:bodyPr>
+            <a:lstStyle/>
+            <a:p>
+              <a:r>
+                <a:rPr lang="en-US">
+                  <a:solidFill>
+                    <a:srgbClr val="FF6600"/>
+                  </a:solidFill>
+                  <a:latin typeface="Segoe UI" panose="020B0502040204020203" pitchFamily="34" charset="0"/>
+                  <a:cs typeface="Segoe UI" panose="020B0502040204020203" pitchFamily="34" charset="0"/>
+                </a:rPr>
+                <a:t>X1 [C17]</a:t>
+              </a:r>
+            </a:p>
+          </p:txBody>
+        </p:sp>
+        <p:sp>
+          <p:nvSpPr>
+            <p:cNvPr id="137" name="TextBox 136">
+              <a:extLst>
+                <a:ext uri="{FF2B5EF4-FFF2-40B4-BE49-F238E27FC236}">
+                  <a16:creationId xmlns:a16="http://schemas.microsoft.com/office/drawing/2014/main" id="{949D22D8-4E18-4653-AC23-08DEF90C90DA}"/>
+                </a:ext>
+              </a:extLst>
+            </p:cNvPr>
+            <p:cNvSpPr txBox="1"/>
+            <p:nvPr/>
+          </p:nvSpPr>
+          <p:spPr>
+            <a:xfrm>
+              <a:off x="4373788" y="1137113"/>
+              <a:ext cx="1059906" cy="369332"/>
+            </a:xfrm>
+            <a:prstGeom prst="rect">
+              <a:avLst/>
+            </a:prstGeom>
+            <a:noFill/>
+          </p:spPr>
+          <p:txBody>
+            <a:bodyPr wrap="none" rtlCol="0">
+              <a:spAutoFit/>
+            </a:bodyPr>
+            <a:lstStyle/>
+            <a:p>
+              <a:r>
+                <a:rPr lang="en-US">
+                  <a:solidFill>
+                    <a:srgbClr val="FF6600"/>
+                  </a:solidFill>
+                  <a:latin typeface="Segoe UI" panose="020B0502040204020203" pitchFamily="34" charset="0"/>
+                  <a:cs typeface="Segoe UI" panose="020B0502040204020203" pitchFamily="34" charset="0"/>
+                </a:rPr>
+                <a:t>X2 [D18]</a:t>
+              </a:r>
+            </a:p>
+          </p:txBody>
+        </p:sp>
+        <p:sp>
+          <p:nvSpPr>
+            <p:cNvPr id="138" name="TextBox 137">
+              <a:extLst>
+                <a:ext uri="{FF2B5EF4-FFF2-40B4-BE49-F238E27FC236}">
+                  <a16:creationId xmlns:a16="http://schemas.microsoft.com/office/drawing/2014/main" id="{77EACCF1-D4DC-4176-AB32-2D8A557D344B}"/>
+                </a:ext>
+              </a:extLst>
+            </p:cNvPr>
+            <p:cNvSpPr txBox="1"/>
+            <p:nvPr/>
+          </p:nvSpPr>
+          <p:spPr>
+            <a:xfrm>
+              <a:off x="4418673" y="1532452"/>
+              <a:ext cx="1015021" cy="369332"/>
+            </a:xfrm>
+            <a:prstGeom prst="rect">
+              <a:avLst/>
+            </a:prstGeom>
+            <a:noFill/>
+          </p:spPr>
+          <p:txBody>
+            <a:bodyPr wrap="none" rtlCol="0">
+              <a:spAutoFit/>
+            </a:bodyPr>
+            <a:lstStyle/>
+            <a:p>
+              <a:r>
+                <a:rPr lang="en-US">
+                  <a:solidFill>
+                    <a:srgbClr val="FF6600"/>
+                  </a:solidFill>
+                  <a:latin typeface="Segoe UI" panose="020B0502040204020203" pitchFamily="34" charset="0"/>
+                  <a:cs typeface="Segoe UI" panose="020B0502040204020203" pitchFamily="34" charset="0"/>
+                </a:rPr>
+                <a:t>X3 [E18]</a:t>
+              </a:r>
+            </a:p>
+          </p:txBody>
+        </p:sp>
+        <p:sp>
+          <p:nvSpPr>
+            <p:cNvPr id="139" name="TextBox 138">
+              <a:extLst>
+                <a:ext uri="{FF2B5EF4-FFF2-40B4-BE49-F238E27FC236}">
+                  <a16:creationId xmlns:a16="http://schemas.microsoft.com/office/drawing/2014/main" id="{99490509-5DDE-4EEF-A3B0-00B9821DED23}"/>
+                </a:ext>
+              </a:extLst>
+            </p:cNvPr>
+            <p:cNvSpPr txBox="1"/>
+            <p:nvPr/>
+          </p:nvSpPr>
+          <p:spPr>
+            <a:xfrm>
+              <a:off x="4378597" y="1935007"/>
+              <a:ext cx="1055097" cy="369332"/>
+            </a:xfrm>
+            <a:prstGeom prst="rect">
+              <a:avLst/>
+            </a:prstGeom>
+            <a:noFill/>
+          </p:spPr>
+          <p:txBody>
+            <a:bodyPr wrap="none" rtlCol="0">
+              <a:spAutoFit/>
+            </a:bodyPr>
+            <a:lstStyle/>
+            <a:p>
+              <a:r>
+                <a:rPr lang="en-US">
+                  <a:solidFill>
+                    <a:srgbClr val="FF6600"/>
+                  </a:solidFill>
+                  <a:latin typeface="Segoe UI" panose="020B0502040204020203" pitchFamily="34" charset="0"/>
+                  <a:cs typeface="Segoe UI" panose="020B0502040204020203" pitchFamily="34" charset="0"/>
+                </a:rPr>
+                <a:t>X4 [G17]</a:t>
+              </a:r>
+            </a:p>
+          </p:txBody>
+        </p:sp>
+        <p:sp>
+          <p:nvSpPr>
+            <p:cNvPr id="140" name="TextBox 139">
+              <a:extLst>
+                <a:ext uri="{FF2B5EF4-FFF2-40B4-BE49-F238E27FC236}">
+                  <a16:creationId xmlns:a16="http://schemas.microsoft.com/office/drawing/2014/main" id="{2679AD8E-1D99-4EB7-8B68-E915F113BFEB}"/>
+                </a:ext>
+              </a:extLst>
+            </p:cNvPr>
+            <p:cNvSpPr txBox="1"/>
+            <p:nvPr/>
+          </p:nvSpPr>
+          <p:spPr>
+            <a:xfrm>
+              <a:off x="5621657" y="2609046"/>
+              <a:ext cx="461665" cy="895438"/>
+            </a:xfrm>
+            <a:prstGeom prst="rect">
+              <a:avLst/>
+            </a:prstGeom>
+            <a:noFill/>
+          </p:spPr>
+          <p:txBody>
+            <a:bodyPr vert="vert270" wrap="none" rtlCol="0">
+              <a:spAutoFit/>
+            </a:bodyPr>
+            <a:lstStyle/>
+            <a:p>
+              <a:r>
+                <a:rPr lang="en-US">
+                  <a:solidFill>
+                    <a:srgbClr val="00B050"/>
+                  </a:solidFill>
+                  <a:latin typeface="Segoe UI" panose="020B0502040204020203" pitchFamily="34" charset="0"/>
+                  <a:cs typeface="Segoe UI" panose="020B0502040204020203" pitchFamily="34" charset="0"/>
+                </a:rPr>
+                <a:t>Y1[D17]</a:t>
+              </a:r>
+            </a:p>
+          </p:txBody>
+        </p:sp>
+        <p:sp>
+          <p:nvSpPr>
+            <p:cNvPr id="141" name="TextBox 140">
+              <a:extLst>
+                <a:ext uri="{FF2B5EF4-FFF2-40B4-BE49-F238E27FC236}">
+                  <a16:creationId xmlns:a16="http://schemas.microsoft.com/office/drawing/2014/main" id="{258A0E74-4982-4251-9891-E6411B99FE29}"/>
+                </a:ext>
+              </a:extLst>
+            </p:cNvPr>
+            <p:cNvSpPr txBox="1"/>
+            <p:nvPr/>
+          </p:nvSpPr>
+          <p:spPr>
+            <a:xfrm>
+              <a:off x="6030761" y="2644312"/>
+              <a:ext cx="461665" cy="850554"/>
+            </a:xfrm>
+            <a:prstGeom prst="rect">
+              <a:avLst/>
+            </a:prstGeom>
+            <a:noFill/>
+          </p:spPr>
+          <p:txBody>
+            <a:bodyPr vert="vert270" wrap="none" rtlCol="0">
+              <a:spAutoFit/>
+            </a:bodyPr>
+            <a:lstStyle/>
+            <a:p>
+              <a:r>
+                <a:rPr lang="en-US">
+                  <a:solidFill>
+                    <a:srgbClr val="00B050"/>
+                  </a:solidFill>
+                  <a:latin typeface="Segoe UI" panose="020B0502040204020203" pitchFamily="34" charset="0"/>
+                  <a:cs typeface="Segoe UI" panose="020B0502040204020203" pitchFamily="34" charset="0"/>
+                </a:rPr>
+                <a:t>Y2[E17]</a:t>
+              </a:r>
+            </a:p>
+          </p:txBody>
+        </p:sp>
+        <p:sp>
+          <p:nvSpPr>
+            <p:cNvPr id="142" name="TextBox 141">
+              <a:extLst>
+                <a:ext uri="{FF2B5EF4-FFF2-40B4-BE49-F238E27FC236}">
+                  <a16:creationId xmlns:a16="http://schemas.microsoft.com/office/drawing/2014/main" id="{6683FA16-DBDC-468A-B279-68F1E0ADD2AB}"/>
+                </a:ext>
+              </a:extLst>
+            </p:cNvPr>
+            <p:cNvSpPr txBox="1"/>
+            <p:nvPr/>
+          </p:nvSpPr>
+          <p:spPr>
+            <a:xfrm>
+              <a:off x="6436883" y="2649122"/>
+              <a:ext cx="461665" cy="845744"/>
+            </a:xfrm>
+            <a:prstGeom prst="rect">
+              <a:avLst/>
+            </a:prstGeom>
+            <a:noFill/>
+          </p:spPr>
+          <p:txBody>
+            <a:bodyPr vert="vert270" wrap="none" rtlCol="0">
+              <a:spAutoFit/>
+            </a:bodyPr>
+            <a:lstStyle/>
+            <a:p>
+              <a:r>
+                <a:rPr lang="en-US">
+                  <a:solidFill>
+                    <a:srgbClr val="00B050"/>
+                  </a:solidFill>
+                  <a:latin typeface="Segoe UI" panose="020B0502040204020203" pitchFamily="34" charset="0"/>
+                  <a:cs typeface="Segoe UI" panose="020B0502040204020203" pitchFamily="34" charset="0"/>
+                </a:rPr>
+                <a:t>Y3[F18]</a:t>
+              </a:r>
+            </a:p>
+          </p:txBody>
+        </p:sp>
+        <p:sp>
+          <p:nvSpPr>
+            <p:cNvPr id="143" name="TextBox 142">
+              <a:extLst>
+                <a:ext uri="{FF2B5EF4-FFF2-40B4-BE49-F238E27FC236}">
+                  <a16:creationId xmlns:a16="http://schemas.microsoft.com/office/drawing/2014/main" id="{92B621B3-2303-4A6F-8325-BD42DC3F3F60}"/>
+                </a:ext>
+              </a:extLst>
+            </p:cNvPr>
+            <p:cNvSpPr txBox="1"/>
+            <p:nvPr/>
+          </p:nvSpPr>
+          <p:spPr>
+            <a:xfrm>
+              <a:off x="6833260" y="2652326"/>
+              <a:ext cx="461665" cy="892232"/>
+            </a:xfrm>
+            <a:prstGeom prst="rect">
+              <a:avLst/>
+            </a:prstGeom>
+            <a:noFill/>
+          </p:spPr>
+          <p:txBody>
+            <a:bodyPr vert="vert270" wrap="none" rtlCol="0">
+              <a:spAutoFit/>
+            </a:bodyPr>
+            <a:lstStyle/>
+            <a:p>
+              <a:r>
+                <a:rPr lang="en-US">
+                  <a:solidFill>
+                    <a:srgbClr val="00B050"/>
+                  </a:solidFill>
+                  <a:latin typeface="Segoe UI" panose="020B0502040204020203" pitchFamily="34" charset="0"/>
+                  <a:cs typeface="Segoe UI" panose="020B0502040204020203" pitchFamily="34" charset="0"/>
+                </a:rPr>
+                <a:t>Y4[G18]</a:t>
+              </a:r>
+            </a:p>
+          </p:txBody>
+        </p:sp>
       </p:grpSp>
-      <p:sp>
-        <p:nvSpPr>
-          <p:cNvPr id="119" name="Oval 118">
+      <p:cxnSp>
+        <p:nvCxnSpPr>
+          <p:cNvPr id="24" name="Straight Connector 23">
             <a:extLst>
               <a:ext uri="{FF2B5EF4-FFF2-40B4-BE49-F238E27FC236}">
-                <a16:creationId xmlns:a16="http://schemas.microsoft.com/office/drawing/2014/main" id="{3DB8D41C-F2BF-43E9-8114-5F5140110185}"/>
+                <a16:creationId xmlns:a16="http://schemas.microsoft.com/office/drawing/2014/main" id="{212B6293-E695-4639-9F8D-541B10FCD34D}"/>
               </a:ext>
             </a:extLst>
           </p:cNvPr>
-          <p:cNvSpPr/>
+          <p:cNvCxnSpPr>
+            <a:cxnSpLocks/>
+          </p:cNvCxnSpPr>
           <p:nvPr/>
-        </p:nvSpPr>
+        </p:nvCxnSpPr>
         <p:spPr>
-          <a:xfrm>
-            <a:off x="5756962" y="870247"/>
-            <a:ext cx="191058" cy="191058"/>
+          <a:xfrm flipV="1">
+            <a:off x="960383" y="1417745"/>
+            <a:ext cx="1758270" cy="2157081"/>
           </a:xfrm>
-          <a:prstGeom prst="ellipse">
+          <a:prstGeom prst="line">
             <a:avLst/>
           </a:prstGeom>
-          <a:noFill/>
+          <a:ln w="19050">
+            <a:solidFill>
+              <a:srgbClr val="FF0000"/>
+            </a:solidFill>
+            <a:prstDash val="dash"/>
+          </a:ln>
         </p:spPr>
         <p:style>
-          <a:lnRef idx="2">
-            <a:schemeClr val="accent1">
-              <a:shade val="50000"/>
-            </a:schemeClr>
+          <a:lnRef idx="1">
+            <a:schemeClr val="accent1"/>
           </a:lnRef>
-          <a:fillRef idx="1">
+          <a:fillRef idx="0">
             <a:schemeClr val="accent1"/>
           </a:fillRef>
           <a:effectRef idx="0">
             <a:schemeClr val="accent1"/>
           </a:effectRef>
           <a:fontRef idx="minor">
-            <a:schemeClr val="lt1"/>
+            <a:schemeClr val="tx1"/>
           </a:fontRef>
         </p:style>
-        <p:txBody>
-          <a:bodyPr rtlCol="0" anchor="ctr"/>
-          <a:lstStyle/>
-          <a:p>
-            <a:pPr algn="ctr"/>
-            <a:endParaRPr lang="en-US"/>
-          </a:p>
-        </p:txBody>
-      </p:sp>
-      <p:sp>
-        <p:nvSpPr>
-          <p:cNvPr id="120" name="Oval 119">
+      </p:cxnSp>
+      <p:cxnSp>
+        <p:nvCxnSpPr>
+          <p:cNvPr id="108" name="Straight Connector 107">
             <a:extLst>
               <a:ext uri="{FF2B5EF4-FFF2-40B4-BE49-F238E27FC236}">
-                <a16:creationId xmlns:a16="http://schemas.microsoft.com/office/drawing/2014/main" id="{1668D41F-FE16-42F3-B205-510D3F317F44}"/>
+                <a16:creationId xmlns:a16="http://schemas.microsoft.com/office/drawing/2014/main" id="{3B9980EB-888F-4E52-9C1A-46D69F07BF75}"/>
               </a:ext>
             </a:extLst>
           </p:cNvPr>
-          <p:cNvSpPr/>
+          <p:cNvCxnSpPr>
+            <a:cxnSpLocks/>
+            <a:stCxn id="70" idx="2"/>
+          </p:cNvCxnSpPr>
           <p:nvPr/>
-        </p:nvSpPr>
+        </p:nvCxnSpPr>
         <p:spPr>
-          <a:xfrm>
-            <a:off x="6158210" y="870247"/>
-            <a:ext cx="191058" cy="191058"/>
+          <a:xfrm flipV="1">
+            <a:off x="1517079" y="3137116"/>
+            <a:ext cx="4710601" cy="720430"/>
           </a:xfrm>
-          <a:prstGeom prst="ellipse">
+          <a:prstGeom prst="line">
             <a:avLst/>
           </a:prstGeom>
-          <a:noFill/>
+          <a:ln w="19050">
+            <a:solidFill>
+              <a:srgbClr val="FF0000"/>
+            </a:solidFill>
+            <a:prstDash val="dash"/>
+          </a:ln>
         </p:spPr>
         <p:style>
-          <a:lnRef idx="2">
-            <a:schemeClr val="accent1">
-              <a:shade val="50000"/>
-            </a:schemeClr>
+          <a:lnRef idx="1">
+            <a:schemeClr val="accent1"/>
           </a:lnRef>
-          <a:fillRef idx="1">
+          <a:fillRef idx="0">
             <a:schemeClr val="accent1"/>
           </a:fillRef>
           <a:effectRef idx="0">
             <a:schemeClr val="accent1"/>
           </a:effectRef>
           <a:fontRef idx="minor">
-            <a:schemeClr val="lt1"/>
+            <a:schemeClr val="tx1"/>
           </a:fontRef>
         </p:style>
-        <p:txBody>
-          <a:bodyPr rtlCol="0" anchor="ctr"/>
-          <a:lstStyle/>
-          <a:p>
-            <a:pPr algn="ctr"/>
-            <a:endParaRPr lang="en-US"/>
-          </a:p>
-        </p:txBody>
-      </p:sp>
-      <p:sp>
-        <p:nvSpPr>
-          <p:cNvPr id="121" name="Oval 120">
-            <a:extLst>
-              <a:ext uri="{FF2B5EF4-FFF2-40B4-BE49-F238E27FC236}">
-                <a16:creationId xmlns:a16="http://schemas.microsoft.com/office/drawing/2014/main" id="{070E8832-AF1C-4F01-B065-D162DE66D547}"/>
-              </a:ext>
-            </a:extLst>
-          </p:cNvPr>
-          <p:cNvSpPr/>
-          <p:nvPr/>
-        </p:nvSpPr>
-        <p:spPr>
-          <a:xfrm>
-            <a:off x="6559457" y="870247"/>
-            <a:ext cx="191058" cy="191058"/>
-          </a:xfrm>
-          <a:prstGeom prst="ellipse">
-            <a:avLst/>
-          </a:prstGeom>
-          <a:noFill/>
-        </p:spPr>
-        <p:style>
-          <a:lnRef idx="2">
-            <a:schemeClr val="accent1">
-              <a:shade val="50000"/>
-            </a:schemeClr>
-          </a:lnRef>
-          <a:fillRef idx="1">
-            <a:schemeClr val="accent1"/>
-          </a:fillRef>
-          <a:effectRef idx="0">
-            <a:schemeClr val="accent1"/>
-          </a:effectRef>
-          <a:fontRef idx="minor">
-            <a:schemeClr val="lt1"/>
-          </a:fontRef>
-        </p:style>
-        <p:txBody>
-          <a:bodyPr rtlCol="0" anchor="ctr"/>
-          <a:lstStyle/>
-          <a:p>
-            <a:pPr algn="ctr"/>
-            <a:endParaRPr lang="en-US"/>
-          </a:p>
-        </p:txBody>
-      </p:sp>
-      <p:sp>
-        <p:nvSpPr>
-          <p:cNvPr id="122" name="Oval 121">
-            <a:extLst>
-              <a:ext uri="{FF2B5EF4-FFF2-40B4-BE49-F238E27FC236}">
-                <a16:creationId xmlns:a16="http://schemas.microsoft.com/office/drawing/2014/main" id="{EEF8F2CF-6092-4918-AA70-47F1F94613E2}"/>
-              </a:ext>
-            </a:extLst>
-          </p:cNvPr>
-          <p:cNvSpPr/>
-          <p:nvPr/>
-        </p:nvSpPr>
-        <p:spPr>
-          <a:xfrm>
-            <a:off x="6959065" y="870247"/>
-            <a:ext cx="191058" cy="191058"/>
-          </a:xfrm>
-          <a:prstGeom prst="ellipse">
-            <a:avLst/>
-          </a:prstGeom>
-          <a:noFill/>
-        </p:spPr>
-        <p:style>
-          <a:lnRef idx="2">
-            <a:schemeClr val="accent1">
-              <a:shade val="50000"/>
-            </a:schemeClr>
-          </a:lnRef>
-          <a:fillRef idx="1">
-            <a:schemeClr val="accent1"/>
-          </a:fillRef>
-          <a:effectRef idx="0">
-            <a:schemeClr val="accent1"/>
-          </a:effectRef>
-          <a:fontRef idx="minor">
-            <a:schemeClr val="lt1"/>
-          </a:fontRef>
-        </p:style>
-        <p:txBody>
-          <a:bodyPr rtlCol="0" anchor="ctr"/>
-          <a:lstStyle/>
-          <a:p>
-            <a:pPr algn="ctr"/>
-            <a:endParaRPr lang="en-US"/>
-          </a:p>
-        </p:txBody>
-      </p:sp>
-      <p:sp>
-        <p:nvSpPr>
-          <p:cNvPr id="123" name="Oval 122">
-            <a:extLst>
-              <a:ext uri="{FF2B5EF4-FFF2-40B4-BE49-F238E27FC236}">
-                <a16:creationId xmlns:a16="http://schemas.microsoft.com/office/drawing/2014/main" id="{F6184DE1-25A6-4608-9878-68B7D5A21CF6}"/>
-              </a:ext>
-            </a:extLst>
-          </p:cNvPr>
-          <p:cNvSpPr/>
-          <p:nvPr/>
-        </p:nvSpPr>
-        <p:spPr>
-          <a:xfrm>
-            <a:off x="5756962" y="1271494"/>
-            <a:ext cx="191058" cy="191058"/>
-          </a:xfrm>
-          <a:prstGeom prst="ellipse">
-            <a:avLst/>
-          </a:prstGeom>
-          <a:noFill/>
-        </p:spPr>
-        <p:style>
-          <a:lnRef idx="2">
-            <a:schemeClr val="accent1">
-              <a:shade val="50000"/>
-            </a:schemeClr>
-          </a:lnRef>
-          <a:fillRef idx="1">
-            <a:schemeClr val="accent1"/>
-          </a:fillRef>
-          <a:effectRef idx="0">
-            <a:schemeClr val="accent1"/>
-          </a:effectRef>
-          <a:fontRef idx="minor">
-            <a:schemeClr val="lt1"/>
-          </a:fontRef>
-        </p:style>
-        <p:txBody>
-          <a:bodyPr rtlCol="0" anchor="ctr"/>
-          <a:lstStyle/>
-          <a:p>
-            <a:pPr algn="ctr"/>
-            <a:endParaRPr lang="en-US"/>
-          </a:p>
-        </p:txBody>
-      </p:sp>
-      <p:sp>
-        <p:nvSpPr>
-          <p:cNvPr id="124" name="Oval 123">
-            <a:extLst>
-              <a:ext uri="{FF2B5EF4-FFF2-40B4-BE49-F238E27FC236}">
-                <a16:creationId xmlns:a16="http://schemas.microsoft.com/office/drawing/2014/main" id="{468EA8C8-B6E9-4297-95DE-3C5B79306979}"/>
-              </a:ext>
-            </a:extLst>
-          </p:cNvPr>
-          <p:cNvSpPr/>
-          <p:nvPr/>
-        </p:nvSpPr>
-        <p:spPr>
-          <a:xfrm>
-            <a:off x="6158210" y="1271494"/>
-            <a:ext cx="191058" cy="191058"/>
-          </a:xfrm>
-          <a:prstGeom prst="ellipse">
-            <a:avLst/>
-          </a:prstGeom>
-          <a:noFill/>
-        </p:spPr>
-        <p:style>
-          <a:lnRef idx="2">
-            <a:schemeClr val="accent1">
-              <a:shade val="50000"/>
-            </a:schemeClr>
-          </a:lnRef>
-          <a:fillRef idx="1">
-            <a:schemeClr val="accent1"/>
-          </a:fillRef>
-          <a:effectRef idx="0">
-            <a:schemeClr val="accent1"/>
-          </a:effectRef>
-          <a:fontRef idx="minor">
-            <a:schemeClr val="lt1"/>
-          </a:fontRef>
-        </p:style>
-        <p:txBody>
-          <a:bodyPr rtlCol="0" anchor="ctr"/>
-          <a:lstStyle/>
-          <a:p>
-            <a:pPr algn="ctr"/>
-            <a:endParaRPr lang="en-US"/>
-          </a:p>
-        </p:txBody>
-      </p:sp>
-      <p:sp>
-        <p:nvSpPr>
-          <p:cNvPr id="125" name="Oval 124">
-            <a:extLst>
-              <a:ext uri="{FF2B5EF4-FFF2-40B4-BE49-F238E27FC236}">
-                <a16:creationId xmlns:a16="http://schemas.microsoft.com/office/drawing/2014/main" id="{0EA17838-B081-442C-8F8F-1B6B9A54D7D3}"/>
-              </a:ext>
-            </a:extLst>
-          </p:cNvPr>
-          <p:cNvSpPr/>
-          <p:nvPr/>
-        </p:nvSpPr>
-        <p:spPr>
-          <a:xfrm>
-            <a:off x="6559457" y="1271494"/>
-            <a:ext cx="191058" cy="191058"/>
-          </a:xfrm>
-          <a:prstGeom prst="ellipse">
-            <a:avLst/>
-          </a:prstGeom>
-          <a:noFill/>
-        </p:spPr>
-        <p:style>
-          <a:lnRef idx="2">
-            <a:schemeClr val="accent1">
-              <a:shade val="50000"/>
-            </a:schemeClr>
-          </a:lnRef>
-          <a:fillRef idx="1">
-            <a:schemeClr val="accent1"/>
-          </a:fillRef>
-          <a:effectRef idx="0">
-            <a:schemeClr val="accent1"/>
-          </a:effectRef>
-          <a:fontRef idx="minor">
-            <a:schemeClr val="lt1"/>
-          </a:fontRef>
-        </p:style>
-        <p:txBody>
-          <a:bodyPr rtlCol="0" anchor="ctr"/>
-          <a:lstStyle/>
-          <a:p>
-            <a:pPr algn="ctr"/>
-            <a:endParaRPr lang="en-US"/>
-          </a:p>
-        </p:txBody>
-      </p:sp>
-      <p:sp>
-        <p:nvSpPr>
-          <p:cNvPr id="126" name="Oval 125">
-            <a:extLst>
-              <a:ext uri="{FF2B5EF4-FFF2-40B4-BE49-F238E27FC236}">
-                <a16:creationId xmlns:a16="http://schemas.microsoft.com/office/drawing/2014/main" id="{EB31220B-FAF1-4AF4-8CFC-A4B4B4A7FD84}"/>
-              </a:ext>
-            </a:extLst>
-          </p:cNvPr>
-          <p:cNvSpPr/>
-          <p:nvPr/>
-        </p:nvSpPr>
-        <p:spPr>
-          <a:xfrm>
-            <a:off x="6959065" y="1271494"/>
-            <a:ext cx="191058" cy="191058"/>
-          </a:xfrm>
-          <a:prstGeom prst="ellipse">
-            <a:avLst/>
-          </a:prstGeom>
-          <a:noFill/>
-        </p:spPr>
-        <p:style>
-          <a:lnRef idx="2">
-            <a:schemeClr val="accent1">
-              <a:shade val="50000"/>
-            </a:schemeClr>
-          </a:lnRef>
-          <a:fillRef idx="1">
-            <a:schemeClr val="accent1"/>
-          </a:fillRef>
-          <a:effectRef idx="0">
-            <a:schemeClr val="accent1"/>
-          </a:effectRef>
-          <a:fontRef idx="minor">
-            <a:schemeClr val="lt1"/>
-          </a:fontRef>
-        </p:style>
-        <p:txBody>
-          <a:bodyPr rtlCol="0" anchor="ctr"/>
-          <a:lstStyle/>
-          <a:p>
-            <a:pPr algn="ctr"/>
-            <a:endParaRPr lang="en-US"/>
-          </a:p>
-        </p:txBody>
-      </p:sp>
-      <p:sp>
-        <p:nvSpPr>
-          <p:cNvPr id="127" name="Oval 126">
-            <a:extLst>
-              <a:ext uri="{FF2B5EF4-FFF2-40B4-BE49-F238E27FC236}">
-                <a16:creationId xmlns:a16="http://schemas.microsoft.com/office/drawing/2014/main" id="{9EB38896-060B-4B96-9FE6-B73A650E1105}"/>
-              </a:ext>
-            </a:extLst>
-          </p:cNvPr>
-          <p:cNvSpPr/>
-          <p:nvPr/>
-        </p:nvSpPr>
-        <p:spPr>
-          <a:xfrm>
-            <a:off x="5756962" y="1672164"/>
-            <a:ext cx="191058" cy="191058"/>
-          </a:xfrm>
-          <a:prstGeom prst="ellipse">
-            <a:avLst/>
-          </a:prstGeom>
-          <a:noFill/>
-        </p:spPr>
-        <p:style>
-          <a:lnRef idx="2">
-            <a:schemeClr val="accent1">
-              <a:shade val="50000"/>
-            </a:schemeClr>
-          </a:lnRef>
-          <a:fillRef idx="1">
-            <a:schemeClr val="accent1"/>
-          </a:fillRef>
-          <a:effectRef idx="0">
-            <a:schemeClr val="accent1"/>
-          </a:effectRef>
-          <a:fontRef idx="minor">
-            <a:schemeClr val="lt1"/>
-          </a:fontRef>
-        </p:style>
-        <p:txBody>
-          <a:bodyPr rtlCol="0" anchor="ctr"/>
-          <a:lstStyle/>
-          <a:p>
-            <a:pPr algn="ctr"/>
-            <a:endParaRPr lang="en-US"/>
-          </a:p>
-        </p:txBody>
-      </p:sp>
-      <p:sp>
-        <p:nvSpPr>
-          <p:cNvPr id="128" name="Oval 127">
-            <a:extLst>
-              <a:ext uri="{FF2B5EF4-FFF2-40B4-BE49-F238E27FC236}">
-                <a16:creationId xmlns:a16="http://schemas.microsoft.com/office/drawing/2014/main" id="{FB1DF867-23E8-4D92-8DB9-0A3B1FB7475F}"/>
-              </a:ext>
-            </a:extLst>
-          </p:cNvPr>
-          <p:cNvSpPr/>
-          <p:nvPr/>
-        </p:nvSpPr>
-        <p:spPr>
-          <a:xfrm>
-            <a:off x="6158210" y="1672164"/>
-            <a:ext cx="191058" cy="191058"/>
-          </a:xfrm>
-          <a:prstGeom prst="ellipse">
-            <a:avLst/>
-          </a:prstGeom>
-          <a:noFill/>
-        </p:spPr>
-        <p:style>
-          <a:lnRef idx="2">
-            <a:schemeClr val="accent1">
-              <a:shade val="50000"/>
-            </a:schemeClr>
-          </a:lnRef>
-          <a:fillRef idx="1">
-            <a:schemeClr val="accent1"/>
-          </a:fillRef>
-          <a:effectRef idx="0">
-            <a:schemeClr val="accent1"/>
-          </a:effectRef>
-          <a:fontRef idx="minor">
-            <a:schemeClr val="lt1"/>
-          </a:fontRef>
-        </p:style>
-        <p:txBody>
-          <a:bodyPr rtlCol="0" anchor="ctr"/>
-          <a:lstStyle/>
-          <a:p>
-            <a:pPr algn="ctr"/>
-            <a:endParaRPr lang="en-US"/>
-          </a:p>
-        </p:txBody>
-      </p:sp>
-      <p:sp>
-        <p:nvSpPr>
-          <p:cNvPr id="129" name="Oval 128">
-            <a:extLst>
-              <a:ext uri="{FF2B5EF4-FFF2-40B4-BE49-F238E27FC236}">
-                <a16:creationId xmlns:a16="http://schemas.microsoft.com/office/drawing/2014/main" id="{22DCD5F3-B1E2-474E-AAB6-96826A509F32}"/>
-              </a:ext>
-            </a:extLst>
-          </p:cNvPr>
-          <p:cNvSpPr/>
-          <p:nvPr/>
-        </p:nvSpPr>
-        <p:spPr>
-          <a:xfrm>
-            <a:off x="6559457" y="1672164"/>
-            <a:ext cx="191058" cy="191058"/>
-          </a:xfrm>
-          <a:prstGeom prst="ellipse">
-            <a:avLst/>
-          </a:prstGeom>
-          <a:noFill/>
-        </p:spPr>
-        <p:style>
-          <a:lnRef idx="2">
-            <a:schemeClr val="accent1">
-              <a:shade val="50000"/>
-            </a:schemeClr>
-          </a:lnRef>
-          <a:fillRef idx="1">
-            <a:schemeClr val="accent1"/>
-          </a:fillRef>
-          <a:effectRef idx="0">
-            <a:schemeClr val="accent1"/>
-          </a:effectRef>
-          <a:fontRef idx="minor">
-            <a:schemeClr val="lt1"/>
-          </a:fontRef>
-        </p:style>
-        <p:txBody>
-          <a:bodyPr rtlCol="0" anchor="ctr"/>
-          <a:lstStyle/>
-          <a:p>
-            <a:pPr algn="ctr"/>
-            <a:endParaRPr lang="en-US"/>
-          </a:p>
-        </p:txBody>
-      </p:sp>
-      <p:sp>
-        <p:nvSpPr>
-          <p:cNvPr id="130" name="Oval 129">
-            <a:extLst>
-              <a:ext uri="{FF2B5EF4-FFF2-40B4-BE49-F238E27FC236}">
-                <a16:creationId xmlns:a16="http://schemas.microsoft.com/office/drawing/2014/main" id="{03A99809-C603-4039-B85D-5791E543FFA9}"/>
-              </a:ext>
-            </a:extLst>
-          </p:cNvPr>
-          <p:cNvSpPr/>
-          <p:nvPr/>
-        </p:nvSpPr>
-        <p:spPr>
-          <a:xfrm>
-            <a:off x="6959065" y="1672164"/>
-            <a:ext cx="191058" cy="191058"/>
-          </a:xfrm>
-          <a:prstGeom prst="ellipse">
-            <a:avLst/>
-          </a:prstGeom>
-          <a:noFill/>
-        </p:spPr>
-        <p:style>
-          <a:lnRef idx="2">
-            <a:schemeClr val="accent1">
-              <a:shade val="50000"/>
-            </a:schemeClr>
-          </a:lnRef>
-          <a:fillRef idx="1">
-            <a:schemeClr val="accent1"/>
-          </a:fillRef>
-          <a:effectRef idx="0">
-            <a:schemeClr val="accent1"/>
-          </a:effectRef>
-          <a:fontRef idx="minor">
-            <a:schemeClr val="lt1"/>
-          </a:fontRef>
-        </p:style>
-        <p:txBody>
-          <a:bodyPr rtlCol="0" anchor="ctr"/>
-          <a:lstStyle/>
-          <a:p>
-            <a:pPr algn="ctr"/>
-            <a:endParaRPr lang="en-US"/>
-          </a:p>
-        </p:txBody>
-      </p:sp>
-      <p:sp>
-        <p:nvSpPr>
-          <p:cNvPr id="131" name="Oval 130">
-            <a:extLst>
-              <a:ext uri="{FF2B5EF4-FFF2-40B4-BE49-F238E27FC236}">
-                <a16:creationId xmlns:a16="http://schemas.microsoft.com/office/drawing/2014/main" id="{A9F50005-BD35-4303-9B02-4D70279ED218}"/>
-              </a:ext>
-            </a:extLst>
-          </p:cNvPr>
-          <p:cNvSpPr/>
-          <p:nvPr/>
-        </p:nvSpPr>
-        <p:spPr>
-          <a:xfrm>
-            <a:off x="5756962" y="2074671"/>
-            <a:ext cx="191058" cy="191058"/>
-          </a:xfrm>
-          <a:prstGeom prst="ellipse">
-            <a:avLst/>
-          </a:prstGeom>
-          <a:noFill/>
-        </p:spPr>
-        <p:style>
-          <a:lnRef idx="2">
-            <a:schemeClr val="accent1">
-              <a:shade val="50000"/>
-            </a:schemeClr>
-          </a:lnRef>
-          <a:fillRef idx="1">
-            <a:schemeClr val="accent1"/>
-          </a:fillRef>
-          <a:effectRef idx="0">
-            <a:schemeClr val="accent1"/>
-          </a:effectRef>
-          <a:fontRef idx="minor">
-            <a:schemeClr val="lt1"/>
-          </a:fontRef>
-        </p:style>
-        <p:txBody>
-          <a:bodyPr rtlCol="0" anchor="ctr"/>
-          <a:lstStyle/>
-          <a:p>
-            <a:pPr algn="ctr"/>
-            <a:endParaRPr lang="en-US"/>
-          </a:p>
-        </p:txBody>
-      </p:sp>
-      <p:sp>
-        <p:nvSpPr>
-          <p:cNvPr id="132" name="Oval 131">
-            <a:extLst>
-              <a:ext uri="{FF2B5EF4-FFF2-40B4-BE49-F238E27FC236}">
-                <a16:creationId xmlns:a16="http://schemas.microsoft.com/office/drawing/2014/main" id="{FBCBDB78-4BF9-4808-8CF1-664B6DEB4BC1}"/>
-              </a:ext>
-            </a:extLst>
-          </p:cNvPr>
-          <p:cNvSpPr/>
-          <p:nvPr/>
-        </p:nvSpPr>
-        <p:spPr>
-          <a:xfrm>
-            <a:off x="6158210" y="2074671"/>
-            <a:ext cx="191058" cy="191058"/>
-          </a:xfrm>
-          <a:prstGeom prst="ellipse">
-            <a:avLst/>
-          </a:prstGeom>
-          <a:noFill/>
-        </p:spPr>
-        <p:style>
-          <a:lnRef idx="2">
-            <a:schemeClr val="accent1">
-              <a:shade val="50000"/>
-            </a:schemeClr>
-          </a:lnRef>
-          <a:fillRef idx="1">
-            <a:schemeClr val="accent1"/>
-          </a:fillRef>
-          <a:effectRef idx="0">
-            <a:schemeClr val="accent1"/>
-          </a:effectRef>
-          <a:fontRef idx="minor">
-            <a:schemeClr val="lt1"/>
-          </a:fontRef>
-        </p:style>
-        <p:txBody>
-          <a:bodyPr rtlCol="0" anchor="ctr"/>
-          <a:lstStyle/>
-          <a:p>
-            <a:pPr algn="ctr"/>
-            <a:endParaRPr lang="en-US"/>
-          </a:p>
-        </p:txBody>
-      </p:sp>
-      <p:sp>
-        <p:nvSpPr>
-          <p:cNvPr id="133" name="Oval 132">
-            <a:extLst>
-              <a:ext uri="{FF2B5EF4-FFF2-40B4-BE49-F238E27FC236}">
-                <a16:creationId xmlns:a16="http://schemas.microsoft.com/office/drawing/2014/main" id="{6E65DB55-6DD1-4A77-8159-4FB9F6C2CA22}"/>
-              </a:ext>
-            </a:extLst>
-          </p:cNvPr>
-          <p:cNvSpPr/>
-          <p:nvPr/>
-        </p:nvSpPr>
-        <p:spPr>
-          <a:xfrm>
-            <a:off x="6559457" y="2074671"/>
-            <a:ext cx="191058" cy="191058"/>
-          </a:xfrm>
-          <a:prstGeom prst="ellipse">
-            <a:avLst/>
-          </a:prstGeom>
-          <a:noFill/>
-        </p:spPr>
-        <p:style>
-          <a:lnRef idx="2">
-            <a:schemeClr val="accent1">
-              <a:shade val="50000"/>
-            </a:schemeClr>
-          </a:lnRef>
-          <a:fillRef idx="1">
-            <a:schemeClr val="accent1"/>
-          </a:fillRef>
-          <a:effectRef idx="0">
-            <a:schemeClr val="accent1"/>
-          </a:effectRef>
-          <a:fontRef idx="minor">
-            <a:schemeClr val="lt1"/>
-          </a:fontRef>
-        </p:style>
-        <p:txBody>
-          <a:bodyPr rtlCol="0" anchor="ctr"/>
-          <a:lstStyle/>
-          <a:p>
-            <a:pPr algn="ctr"/>
-            <a:endParaRPr lang="en-US"/>
-          </a:p>
-        </p:txBody>
-      </p:sp>
-      <p:sp>
-        <p:nvSpPr>
-          <p:cNvPr id="134" name="Oval 133">
-            <a:extLst>
-              <a:ext uri="{FF2B5EF4-FFF2-40B4-BE49-F238E27FC236}">
-                <a16:creationId xmlns:a16="http://schemas.microsoft.com/office/drawing/2014/main" id="{3CF99F45-FE93-43AB-AC40-5746911FC173}"/>
-              </a:ext>
-            </a:extLst>
-          </p:cNvPr>
-          <p:cNvSpPr/>
-          <p:nvPr/>
-        </p:nvSpPr>
-        <p:spPr>
-          <a:xfrm>
-            <a:off x="6959065" y="2074671"/>
-            <a:ext cx="191058" cy="191058"/>
-          </a:xfrm>
-          <a:prstGeom prst="ellipse">
-            <a:avLst/>
-          </a:prstGeom>
-          <a:noFill/>
-        </p:spPr>
-        <p:style>
-          <a:lnRef idx="2">
-            <a:schemeClr val="accent1">
-              <a:shade val="50000"/>
-            </a:schemeClr>
-          </a:lnRef>
-          <a:fillRef idx="1">
-            <a:schemeClr val="accent1"/>
-          </a:fillRef>
-          <a:effectRef idx="0">
-            <a:schemeClr val="accent1"/>
-          </a:effectRef>
-          <a:fontRef idx="minor">
-            <a:schemeClr val="lt1"/>
-          </a:fontRef>
-        </p:style>
-        <p:txBody>
-          <a:bodyPr rtlCol="0" anchor="ctr"/>
-          <a:lstStyle/>
-          <a:p>
-            <a:pPr algn="ctr"/>
-            <a:endParaRPr lang="en-US"/>
-          </a:p>
-        </p:txBody>
-      </p:sp>
-      <p:sp>
-        <p:nvSpPr>
-          <p:cNvPr id="136" name="TextBox 135">
-            <a:extLst>
-              <a:ext uri="{FF2B5EF4-FFF2-40B4-BE49-F238E27FC236}">
-                <a16:creationId xmlns:a16="http://schemas.microsoft.com/office/drawing/2014/main" id="{FB3FB936-39A5-4D96-AEC4-3E1862EC18DC}"/>
-              </a:ext>
-            </a:extLst>
-          </p:cNvPr>
-          <p:cNvSpPr txBox="1"/>
-          <p:nvPr/>
-        </p:nvSpPr>
-        <p:spPr>
-          <a:xfrm>
-            <a:off x="4993285" y="735866"/>
-            <a:ext cx="420308" cy="369332"/>
-          </a:xfrm>
-          <a:prstGeom prst="rect">
-            <a:avLst/>
-          </a:prstGeom>
-          <a:noFill/>
-        </p:spPr>
-        <p:txBody>
-          <a:bodyPr wrap="none" rtlCol="0">
-            <a:spAutoFit/>
-          </a:bodyPr>
-          <a:lstStyle/>
-          <a:p>
-            <a:r>
-              <a:rPr lang="en-US">
-                <a:solidFill>
-                  <a:srgbClr val="FF6600"/>
-                </a:solidFill>
-                <a:latin typeface="Segoe UI Semibold" panose="020B0702040204020203" pitchFamily="34" charset="0"/>
-                <a:cs typeface="Segoe UI Semibold" panose="020B0702040204020203" pitchFamily="34" charset="0"/>
-              </a:rPr>
-              <a:t>X1</a:t>
-            </a:r>
-          </a:p>
-        </p:txBody>
-      </p:sp>
-      <p:sp>
-        <p:nvSpPr>
-          <p:cNvPr id="137" name="TextBox 136">
-            <a:extLst>
-              <a:ext uri="{FF2B5EF4-FFF2-40B4-BE49-F238E27FC236}">
-                <a16:creationId xmlns:a16="http://schemas.microsoft.com/office/drawing/2014/main" id="{949D22D8-4E18-4653-AC23-08DEF90C90DA}"/>
-              </a:ext>
-            </a:extLst>
-          </p:cNvPr>
-          <p:cNvSpPr txBox="1"/>
-          <p:nvPr/>
-        </p:nvSpPr>
-        <p:spPr>
-          <a:xfrm>
-            <a:off x="4993285" y="1137113"/>
-            <a:ext cx="455574" cy="369332"/>
-          </a:xfrm>
-          <a:prstGeom prst="rect">
-            <a:avLst/>
-          </a:prstGeom>
-          <a:noFill/>
-        </p:spPr>
-        <p:txBody>
-          <a:bodyPr wrap="none" rtlCol="0">
-            <a:spAutoFit/>
-          </a:bodyPr>
-          <a:lstStyle/>
-          <a:p>
-            <a:r>
-              <a:rPr lang="en-US">
-                <a:solidFill>
-                  <a:srgbClr val="FF6600"/>
-                </a:solidFill>
-                <a:latin typeface="Segoe UI Semibold" panose="020B0702040204020203" pitchFamily="34" charset="0"/>
-                <a:cs typeface="Segoe UI Semibold" panose="020B0702040204020203" pitchFamily="34" charset="0"/>
-              </a:rPr>
-              <a:t>X2</a:t>
-            </a:r>
-          </a:p>
-        </p:txBody>
-      </p:sp>
-      <p:sp>
-        <p:nvSpPr>
-          <p:cNvPr id="138" name="TextBox 137">
-            <a:extLst>
-              <a:ext uri="{FF2B5EF4-FFF2-40B4-BE49-F238E27FC236}">
-                <a16:creationId xmlns:a16="http://schemas.microsoft.com/office/drawing/2014/main" id="{77EACCF1-D4DC-4176-AB32-2D8A557D344B}"/>
-              </a:ext>
-            </a:extLst>
-          </p:cNvPr>
-          <p:cNvSpPr txBox="1"/>
-          <p:nvPr/>
-        </p:nvSpPr>
-        <p:spPr>
-          <a:xfrm>
-            <a:off x="4993285" y="1532452"/>
-            <a:ext cx="455574" cy="369332"/>
-          </a:xfrm>
-          <a:prstGeom prst="rect">
-            <a:avLst/>
-          </a:prstGeom>
-          <a:noFill/>
-        </p:spPr>
-        <p:txBody>
-          <a:bodyPr wrap="none" rtlCol="0">
-            <a:spAutoFit/>
-          </a:bodyPr>
-          <a:lstStyle/>
-          <a:p>
-            <a:r>
-              <a:rPr lang="en-US">
-                <a:solidFill>
-                  <a:srgbClr val="FF6600"/>
-                </a:solidFill>
-                <a:latin typeface="Segoe UI Semibold" panose="020B0702040204020203" pitchFamily="34" charset="0"/>
-                <a:cs typeface="Segoe UI Semibold" panose="020B0702040204020203" pitchFamily="34" charset="0"/>
-              </a:rPr>
-              <a:t>X3</a:t>
-            </a:r>
-          </a:p>
-        </p:txBody>
-      </p:sp>
-      <p:sp>
-        <p:nvSpPr>
-          <p:cNvPr id="139" name="TextBox 138">
-            <a:extLst>
-              <a:ext uri="{FF2B5EF4-FFF2-40B4-BE49-F238E27FC236}">
-                <a16:creationId xmlns:a16="http://schemas.microsoft.com/office/drawing/2014/main" id="{99490509-5DDE-4EEF-A3B0-00B9821DED23}"/>
-              </a:ext>
-            </a:extLst>
-          </p:cNvPr>
-          <p:cNvSpPr txBox="1"/>
-          <p:nvPr/>
-        </p:nvSpPr>
-        <p:spPr>
-          <a:xfrm>
-            <a:off x="4993285" y="1935007"/>
-            <a:ext cx="460382" cy="369332"/>
-          </a:xfrm>
-          <a:prstGeom prst="rect">
-            <a:avLst/>
-          </a:prstGeom>
-          <a:noFill/>
-        </p:spPr>
-        <p:txBody>
-          <a:bodyPr wrap="none" rtlCol="0">
-            <a:spAutoFit/>
-          </a:bodyPr>
-          <a:lstStyle/>
-          <a:p>
-            <a:r>
-              <a:rPr lang="en-US">
-                <a:solidFill>
-                  <a:srgbClr val="FF6600"/>
-                </a:solidFill>
-                <a:latin typeface="Segoe UI Semibold" panose="020B0702040204020203" pitchFamily="34" charset="0"/>
-                <a:cs typeface="Segoe UI Semibold" panose="020B0702040204020203" pitchFamily="34" charset="0"/>
-              </a:rPr>
-              <a:t>X4</a:t>
-            </a:r>
-          </a:p>
-        </p:txBody>
-      </p:sp>
-      <p:sp>
-        <p:nvSpPr>
-          <p:cNvPr id="140" name="TextBox 139">
-            <a:extLst>
-              <a:ext uri="{FF2B5EF4-FFF2-40B4-BE49-F238E27FC236}">
-                <a16:creationId xmlns:a16="http://schemas.microsoft.com/office/drawing/2014/main" id="{2679AD8E-1D99-4EB7-8B68-E915F113BFEB}"/>
-              </a:ext>
-            </a:extLst>
-          </p:cNvPr>
-          <p:cNvSpPr txBox="1"/>
-          <p:nvPr/>
-        </p:nvSpPr>
-        <p:spPr>
-          <a:xfrm>
-            <a:off x="5647984" y="2606552"/>
-            <a:ext cx="410690" cy="369332"/>
-          </a:xfrm>
-          <a:prstGeom prst="rect">
-            <a:avLst/>
-          </a:prstGeom>
-          <a:noFill/>
-        </p:spPr>
-        <p:txBody>
-          <a:bodyPr wrap="none" rtlCol="0">
-            <a:spAutoFit/>
-          </a:bodyPr>
-          <a:lstStyle/>
-          <a:p>
-            <a:r>
-              <a:rPr lang="en-US">
-                <a:solidFill>
-                  <a:srgbClr val="00B050"/>
-                </a:solidFill>
-                <a:latin typeface="Segoe UI Semibold" panose="020B0702040204020203" pitchFamily="34" charset="0"/>
-                <a:cs typeface="Segoe UI Semibold" panose="020B0702040204020203" pitchFamily="34" charset="0"/>
-              </a:rPr>
-              <a:t>Y1</a:t>
-            </a:r>
-          </a:p>
-        </p:txBody>
-      </p:sp>
-      <p:sp>
-        <p:nvSpPr>
-          <p:cNvPr id="141" name="TextBox 140">
-            <a:extLst>
-              <a:ext uri="{FF2B5EF4-FFF2-40B4-BE49-F238E27FC236}">
-                <a16:creationId xmlns:a16="http://schemas.microsoft.com/office/drawing/2014/main" id="{258A0E74-4982-4251-9891-E6411B99FE29}"/>
-              </a:ext>
-            </a:extLst>
-          </p:cNvPr>
-          <p:cNvSpPr txBox="1"/>
-          <p:nvPr/>
-        </p:nvSpPr>
-        <p:spPr>
-          <a:xfrm>
-            <a:off x="6030761" y="2606552"/>
-            <a:ext cx="445956" cy="369332"/>
-          </a:xfrm>
-          <a:prstGeom prst="rect">
-            <a:avLst/>
-          </a:prstGeom>
-          <a:noFill/>
-        </p:spPr>
-        <p:txBody>
-          <a:bodyPr wrap="none" rtlCol="0">
-            <a:spAutoFit/>
-          </a:bodyPr>
-          <a:lstStyle/>
-          <a:p>
-            <a:r>
-              <a:rPr lang="en-US">
-                <a:solidFill>
-                  <a:srgbClr val="00B050"/>
-                </a:solidFill>
-                <a:latin typeface="Segoe UI Semibold" panose="020B0702040204020203" pitchFamily="34" charset="0"/>
-                <a:cs typeface="Segoe UI Semibold" panose="020B0702040204020203" pitchFamily="34" charset="0"/>
-              </a:rPr>
-              <a:t>Y2</a:t>
-            </a:r>
-          </a:p>
-        </p:txBody>
-      </p:sp>
-      <p:sp>
-        <p:nvSpPr>
-          <p:cNvPr id="142" name="TextBox 141">
-            <a:extLst>
-              <a:ext uri="{FF2B5EF4-FFF2-40B4-BE49-F238E27FC236}">
-                <a16:creationId xmlns:a16="http://schemas.microsoft.com/office/drawing/2014/main" id="{6683FA16-DBDC-468A-B279-68F1E0ADD2AB}"/>
-              </a:ext>
-            </a:extLst>
-          </p:cNvPr>
-          <p:cNvSpPr txBox="1"/>
-          <p:nvPr/>
-        </p:nvSpPr>
-        <p:spPr>
-          <a:xfrm>
-            <a:off x="6436883" y="2606552"/>
-            <a:ext cx="445956" cy="369332"/>
-          </a:xfrm>
-          <a:prstGeom prst="rect">
-            <a:avLst/>
-          </a:prstGeom>
-          <a:noFill/>
-        </p:spPr>
-        <p:txBody>
-          <a:bodyPr wrap="none" rtlCol="0">
-            <a:spAutoFit/>
-          </a:bodyPr>
-          <a:lstStyle/>
-          <a:p>
-            <a:r>
-              <a:rPr lang="en-US">
-                <a:solidFill>
-                  <a:srgbClr val="00B050"/>
-                </a:solidFill>
-                <a:latin typeface="Segoe UI Semibold" panose="020B0702040204020203" pitchFamily="34" charset="0"/>
-                <a:cs typeface="Segoe UI Semibold" panose="020B0702040204020203" pitchFamily="34" charset="0"/>
-              </a:rPr>
-              <a:t>Y3</a:t>
-            </a:r>
-          </a:p>
-        </p:txBody>
-      </p:sp>
-      <p:sp>
-        <p:nvSpPr>
-          <p:cNvPr id="143" name="TextBox 142">
-            <a:extLst>
-              <a:ext uri="{FF2B5EF4-FFF2-40B4-BE49-F238E27FC236}">
-                <a16:creationId xmlns:a16="http://schemas.microsoft.com/office/drawing/2014/main" id="{92B621B3-2303-4A6F-8325-BD42DC3F3F60}"/>
-              </a:ext>
-            </a:extLst>
-          </p:cNvPr>
-          <p:cNvSpPr txBox="1"/>
-          <p:nvPr/>
-        </p:nvSpPr>
-        <p:spPr>
-          <a:xfrm>
-            <a:off x="6833260" y="2605873"/>
-            <a:ext cx="450764" cy="369332"/>
-          </a:xfrm>
-          <a:prstGeom prst="rect">
-            <a:avLst/>
-          </a:prstGeom>
-          <a:noFill/>
-        </p:spPr>
-        <p:txBody>
-          <a:bodyPr wrap="none" rtlCol="0">
-            <a:spAutoFit/>
-          </a:bodyPr>
-          <a:lstStyle/>
-          <a:p>
-            <a:r>
-              <a:rPr lang="en-US">
-                <a:solidFill>
-                  <a:srgbClr val="00B050"/>
-                </a:solidFill>
-                <a:latin typeface="Segoe UI Semibold" panose="020B0702040204020203" pitchFamily="34" charset="0"/>
-                <a:cs typeface="Segoe UI Semibold" panose="020B0702040204020203" pitchFamily="34" charset="0"/>
-              </a:rPr>
-              <a:t>Y4</a:t>
-            </a:r>
-          </a:p>
-        </p:txBody>
-      </p:sp>
+      </p:cxnSp>
     </p:spTree>
     <p:extLst>
       <p:ext uri="{BB962C8B-B14F-4D97-AF65-F5344CB8AC3E}">

--- a/LSD06/img/figures.pptx
+++ b/LSD06/img/figures.pptx
@@ -6864,7 +6864,7 @@
         </p:nvGrpSpPr>
         <p:grpSpPr>
           <a:xfrm>
-            <a:off x="380840" y="350517"/>
+            <a:off x="4330599" y="70637"/>
             <a:ext cx="1765401" cy="3526078"/>
             <a:chOff x="2682840" y="325616"/>
             <a:chExt cx="1765401" cy="3526078"/>
@@ -9323,8 +9323,8 @@
         </p:nvGrpSpPr>
         <p:grpSpPr>
           <a:xfrm>
-            <a:off x="2727293" y="1419003"/>
-            <a:ext cx="3506525" cy="1719370"/>
+            <a:off x="6677053" y="1139123"/>
+            <a:ext cx="2734258" cy="1340701"/>
             <a:chOff x="4893975" y="325616"/>
             <a:chExt cx="3506525" cy="1719370"/>
           </a:xfrm>
@@ -9373,9 +9373,7 @@
                 <a:schemeClr val="tx1"/>
               </a:solidFill>
               <a:ln w="19050">
-                <a:solidFill>
-                  <a:srgbClr val="F02311"/>
-                </a:solidFill>
+                <a:noFill/>
                 <a:prstDash val="dash"/>
               </a:ln>
             </p:spPr>
@@ -9845,8 +9843,8 @@
           </p:nvSpPr>
           <p:spPr>
             <a:xfrm>
-              <a:off x="4959408" y="898446"/>
-              <a:ext cx="420308" cy="369332"/>
+              <a:off x="4926221" y="909509"/>
+              <a:ext cx="471179" cy="394706"/>
             </a:xfrm>
             <a:prstGeom prst="rect">
               <a:avLst/>
@@ -9860,7 +9858,7 @@
             <a:lstStyle/>
             <a:p>
               <a:r>
-                <a:rPr lang="en-US">
+                <a:rPr lang="en-US" sz="1400">
                   <a:solidFill>
                     <a:srgbClr val="FF6600"/>
                   </a:solidFill>
@@ -9886,8 +9884,8 @@
           </p:nvSpPr>
           <p:spPr>
             <a:xfrm>
-              <a:off x="5368401" y="898446"/>
-              <a:ext cx="455574" cy="369332"/>
+              <a:off x="5335214" y="909509"/>
+              <a:ext cx="506128" cy="394706"/>
             </a:xfrm>
             <a:prstGeom prst="rect">
               <a:avLst/>
@@ -9901,7 +9899,7 @@
             <a:lstStyle/>
             <a:p>
               <a:r>
-                <a:rPr lang="en-US">
+                <a:rPr lang="en-US" sz="1400">
                   <a:solidFill>
                     <a:srgbClr val="FF6600"/>
                   </a:solidFill>
@@ -9927,8 +9925,8 @@
           </p:nvSpPr>
           <p:spPr>
             <a:xfrm>
-              <a:off x="5803910" y="898446"/>
-              <a:ext cx="455574" cy="369332"/>
+              <a:off x="5770724" y="909509"/>
+              <a:ext cx="506128" cy="394706"/>
             </a:xfrm>
             <a:prstGeom prst="rect">
               <a:avLst/>
@@ -9942,7 +9940,7 @@
             <a:lstStyle/>
             <a:p>
               <a:r>
-                <a:rPr lang="en-US">
+                <a:rPr lang="en-US" sz="1400">
                   <a:solidFill>
                     <a:srgbClr val="FF6600"/>
                   </a:solidFill>
@@ -9968,8 +9966,8 @@
           </p:nvSpPr>
           <p:spPr>
             <a:xfrm>
-              <a:off x="6220740" y="898446"/>
-              <a:ext cx="460382" cy="369332"/>
+              <a:off x="6187553" y="909509"/>
+              <a:ext cx="512294" cy="394706"/>
             </a:xfrm>
             <a:prstGeom prst="rect">
               <a:avLst/>
@@ -9983,7 +9981,7 @@
             <a:lstStyle/>
             <a:p>
               <a:r>
-                <a:rPr lang="en-US">
+                <a:rPr lang="en-US" sz="1400">
                   <a:solidFill>
                     <a:srgbClr val="FF6600"/>
                   </a:solidFill>
@@ -10009,8 +10007,8 @@
           </p:nvSpPr>
           <p:spPr>
             <a:xfrm>
-              <a:off x="6640446" y="898446"/>
-              <a:ext cx="410690" cy="369332"/>
+              <a:off x="6607259" y="909509"/>
+              <a:ext cx="462956" cy="394706"/>
             </a:xfrm>
             <a:prstGeom prst="rect">
               <a:avLst/>
@@ -10024,7 +10022,7 @@
             <a:lstStyle/>
             <a:p>
               <a:r>
-                <a:rPr lang="en-US">
+                <a:rPr lang="en-US" sz="1400">
                   <a:solidFill>
                     <a:srgbClr val="00B050"/>
                   </a:solidFill>
@@ -10050,8 +10048,8 @@
           </p:nvSpPr>
           <p:spPr>
             <a:xfrm>
-              <a:off x="7048548" y="898446"/>
-              <a:ext cx="445956" cy="369332"/>
+              <a:off x="7015360" y="909509"/>
+              <a:ext cx="497905" cy="394706"/>
             </a:xfrm>
             <a:prstGeom prst="rect">
               <a:avLst/>
@@ -10065,7 +10063,7 @@
             <a:lstStyle/>
             <a:p>
               <a:r>
-                <a:rPr lang="en-US">
+                <a:rPr lang="en-US" sz="1400">
                   <a:solidFill>
                     <a:srgbClr val="00B050"/>
                   </a:solidFill>
@@ -10091,8 +10089,8 @@
           </p:nvSpPr>
           <p:spPr>
             <a:xfrm>
-              <a:off x="7501546" y="898446"/>
-              <a:ext cx="445956" cy="369332"/>
+              <a:off x="7468358" y="909509"/>
+              <a:ext cx="497905" cy="394706"/>
             </a:xfrm>
             <a:prstGeom prst="rect">
               <a:avLst/>
@@ -10106,7 +10104,7 @@
             <a:lstStyle/>
             <a:p>
               <a:r>
-                <a:rPr lang="en-US">
+                <a:rPr lang="en-US" sz="1400">
                   <a:solidFill>
                     <a:srgbClr val="00B050"/>
                   </a:solidFill>
@@ -10132,8 +10130,8 @@
           </p:nvSpPr>
           <p:spPr>
             <a:xfrm>
-              <a:off x="7910560" y="898446"/>
-              <a:ext cx="450764" cy="369332"/>
+              <a:off x="7877373" y="909509"/>
+              <a:ext cx="504071" cy="394706"/>
             </a:xfrm>
             <a:prstGeom prst="rect">
               <a:avLst/>
@@ -10147,7 +10145,7 @@
             <a:lstStyle/>
             <a:p>
               <a:r>
-                <a:rPr lang="en-US">
+                <a:rPr lang="en-US" sz="1400">
                   <a:solidFill>
                     <a:srgbClr val="00B050"/>
                   </a:solidFill>
@@ -10174,10 +10172,10 @@
         </p:nvGrpSpPr>
         <p:grpSpPr>
           <a:xfrm>
-            <a:off x="6410598" y="350517"/>
-            <a:ext cx="2921137" cy="2808692"/>
-            <a:chOff x="4373788" y="735866"/>
-            <a:chExt cx="2921137" cy="2808692"/>
+            <a:off x="5746909" y="3984763"/>
+            <a:ext cx="2679878" cy="2567991"/>
+            <a:chOff x="4579370" y="787255"/>
+            <a:chExt cx="2679878" cy="2567991"/>
           </a:xfrm>
         </p:grpSpPr>
         <p:grpSp>
@@ -10593,7 +10591,7 @@
             <a:lstStyle/>
             <a:p>
               <a:pPr algn="ctr"/>
-              <a:endParaRPr lang="en-US">
+              <a:endParaRPr lang="en-US" sz="1400">
                 <a:latin typeface="Segoe UI" panose="020B0502040204020203" pitchFamily="34" charset="0"/>
                 <a:cs typeface="Segoe UI" panose="020B0502040204020203" pitchFamily="34" charset="0"/>
               </a:endParaRPr>
@@ -10643,7 +10641,7 @@
             <a:lstStyle/>
             <a:p>
               <a:pPr algn="ctr"/>
-              <a:endParaRPr lang="en-US">
+              <a:endParaRPr lang="en-US" sz="1400">
                 <a:latin typeface="Segoe UI" panose="020B0502040204020203" pitchFamily="34" charset="0"/>
                 <a:cs typeface="Segoe UI" panose="020B0502040204020203" pitchFamily="34" charset="0"/>
               </a:endParaRPr>
@@ -10693,7 +10691,7 @@
             <a:lstStyle/>
             <a:p>
               <a:pPr algn="ctr"/>
-              <a:endParaRPr lang="en-US">
+              <a:endParaRPr lang="en-US" sz="1400">
                 <a:latin typeface="Segoe UI" panose="020B0502040204020203" pitchFamily="34" charset="0"/>
                 <a:cs typeface="Segoe UI" panose="020B0502040204020203" pitchFamily="34" charset="0"/>
               </a:endParaRPr>
@@ -10743,7 +10741,7 @@
             <a:lstStyle/>
             <a:p>
               <a:pPr algn="ctr"/>
-              <a:endParaRPr lang="en-US">
+              <a:endParaRPr lang="en-US" sz="1400">
                 <a:latin typeface="Segoe UI" panose="020B0502040204020203" pitchFamily="34" charset="0"/>
                 <a:cs typeface="Segoe UI" panose="020B0502040204020203" pitchFamily="34" charset="0"/>
               </a:endParaRPr>
@@ -10793,7 +10791,7 @@
             <a:lstStyle/>
             <a:p>
               <a:pPr algn="ctr"/>
-              <a:endParaRPr lang="en-US">
+              <a:endParaRPr lang="en-US" sz="1400">
                 <a:latin typeface="Segoe UI" panose="020B0502040204020203" pitchFamily="34" charset="0"/>
                 <a:cs typeface="Segoe UI" panose="020B0502040204020203" pitchFamily="34" charset="0"/>
               </a:endParaRPr>
@@ -10843,7 +10841,7 @@
             <a:lstStyle/>
             <a:p>
               <a:pPr algn="ctr"/>
-              <a:endParaRPr lang="en-US">
+              <a:endParaRPr lang="en-US" sz="1400">
                 <a:latin typeface="Segoe UI" panose="020B0502040204020203" pitchFamily="34" charset="0"/>
                 <a:cs typeface="Segoe UI" panose="020B0502040204020203" pitchFamily="34" charset="0"/>
               </a:endParaRPr>
@@ -10893,7 +10891,7 @@
             <a:lstStyle/>
             <a:p>
               <a:pPr algn="ctr"/>
-              <a:endParaRPr lang="en-US">
+              <a:endParaRPr lang="en-US" sz="1400">
                 <a:latin typeface="Segoe UI" panose="020B0502040204020203" pitchFamily="34" charset="0"/>
                 <a:cs typeface="Segoe UI" panose="020B0502040204020203" pitchFamily="34" charset="0"/>
               </a:endParaRPr>
@@ -10943,7 +10941,7 @@
             <a:lstStyle/>
             <a:p>
               <a:pPr algn="ctr"/>
-              <a:endParaRPr lang="en-US">
+              <a:endParaRPr lang="en-US" sz="1400">
                 <a:latin typeface="Segoe UI" panose="020B0502040204020203" pitchFamily="34" charset="0"/>
                 <a:cs typeface="Segoe UI" panose="020B0502040204020203" pitchFamily="34" charset="0"/>
               </a:endParaRPr>
@@ -10993,7 +10991,7 @@
             <a:lstStyle/>
             <a:p>
               <a:pPr algn="ctr"/>
-              <a:endParaRPr lang="en-US">
+              <a:endParaRPr lang="en-US" sz="1400">
                 <a:latin typeface="Segoe UI" panose="020B0502040204020203" pitchFamily="34" charset="0"/>
                 <a:cs typeface="Segoe UI" panose="020B0502040204020203" pitchFamily="34" charset="0"/>
               </a:endParaRPr>
@@ -11043,7 +11041,7 @@
             <a:lstStyle/>
             <a:p>
               <a:pPr algn="ctr"/>
-              <a:endParaRPr lang="en-US">
+              <a:endParaRPr lang="en-US" sz="1400">
                 <a:latin typeface="Segoe UI" panose="020B0502040204020203" pitchFamily="34" charset="0"/>
                 <a:cs typeface="Segoe UI" panose="020B0502040204020203" pitchFamily="34" charset="0"/>
               </a:endParaRPr>
@@ -11093,7 +11091,7 @@
             <a:lstStyle/>
             <a:p>
               <a:pPr algn="ctr"/>
-              <a:endParaRPr lang="en-US">
+              <a:endParaRPr lang="en-US" sz="1400">
                 <a:latin typeface="Segoe UI" panose="020B0502040204020203" pitchFamily="34" charset="0"/>
                 <a:cs typeface="Segoe UI" panose="020B0502040204020203" pitchFamily="34" charset="0"/>
               </a:endParaRPr>
@@ -11143,7 +11141,7 @@
             <a:lstStyle/>
             <a:p>
               <a:pPr algn="ctr"/>
-              <a:endParaRPr lang="en-US">
+              <a:endParaRPr lang="en-US" sz="1400">
                 <a:latin typeface="Segoe UI" panose="020B0502040204020203" pitchFamily="34" charset="0"/>
                 <a:cs typeface="Segoe UI" panose="020B0502040204020203" pitchFamily="34" charset="0"/>
               </a:endParaRPr>
@@ -11193,7 +11191,7 @@
             <a:lstStyle/>
             <a:p>
               <a:pPr algn="ctr"/>
-              <a:endParaRPr lang="en-US">
+              <a:endParaRPr lang="en-US" sz="1400">
                 <a:latin typeface="Segoe UI" panose="020B0502040204020203" pitchFamily="34" charset="0"/>
                 <a:cs typeface="Segoe UI" panose="020B0502040204020203" pitchFamily="34" charset="0"/>
               </a:endParaRPr>
@@ -11243,7 +11241,7 @@
             <a:lstStyle/>
             <a:p>
               <a:pPr algn="ctr"/>
-              <a:endParaRPr lang="en-US">
+              <a:endParaRPr lang="en-US" sz="1400">
                 <a:latin typeface="Segoe UI" panose="020B0502040204020203" pitchFamily="34" charset="0"/>
                 <a:cs typeface="Segoe UI" panose="020B0502040204020203" pitchFamily="34" charset="0"/>
               </a:endParaRPr>
@@ -11293,7 +11291,7 @@
             <a:lstStyle/>
             <a:p>
               <a:pPr algn="ctr"/>
-              <a:endParaRPr lang="en-US">
+              <a:endParaRPr lang="en-US" sz="1400">
                 <a:latin typeface="Segoe UI" panose="020B0502040204020203" pitchFamily="34" charset="0"/>
                 <a:cs typeface="Segoe UI" panose="020B0502040204020203" pitchFamily="34" charset="0"/>
               </a:endParaRPr>
@@ -11343,7 +11341,7 @@
             <a:lstStyle/>
             <a:p>
               <a:pPr algn="ctr"/>
-              <a:endParaRPr lang="en-US">
+              <a:endParaRPr lang="en-US" sz="1400">
                 <a:latin typeface="Segoe UI" panose="020B0502040204020203" pitchFamily="34" charset="0"/>
                 <a:cs typeface="Segoe UI" panose="020B0502040204020203" pitchFamily="34" charset="0"/>
               </a:endParaRPr>
@@ -11364,8 +11362,8 @@
           </p:nvSpPr>
           <p:spPr>
             <a:xfrm>
-              <a:off x="4436305" y="735866"/>
-              <a:ext cx="1039067" cy="369332"/>
+              <a:off x="4600209" y="804874"/>
+              <a:ext cx="848309" cy="307777"/>
             </a:xfrm>
             <a:prstGeom prst="rect">
               <a:avLst/>
@@ -11379,7 +11377,7 @@
             <a:lstStyle/>
             <a:p>
               <a:r>
-                <a:rPr lang="en-US">
+                <a:rPr lang="en-US" sz="1400">
                   <a:solidFill>
                     <a:srgbClr val="FF6600"/>
                   </a:solidFill>
@@ -11405,8 +11403,8 @@
           </p:nvSpPr>
           <p:spPr>
             <a:xfrm>
-              <a:off x="4373788" y="1137113"/>
-              <a:ext cx="1059906" cy="369332"/>
+              <a:off x="4579370" y="1206121"/>
+              <a:ext cx="864339" cy="307777"/>
             </a:xfrm>
             <a:prstGeom prst="rect">
               <a:avLst/>
@@ -11420,7 +11418,7 @@
             <a:lstStyle/>
             <a:p>
               <a:r>
-                <a:rPr lang="en-US">
+                <a:rPr lang="en-US" sz="1400">
                   <a:solidFill>
                     <a:srgbClr val="FF6600"/>
                   </a:solidFill>
@@ -11446,8 +11444,8 @@
           </p:nvSpPr>
           <p:spPr>
             <a:xfrm>
-              <a:off x="4418673" y="1532452"/>
-              <a:ext cx="1015021" cy="369332"/>
+              <a:off x="4624255" y="1601460"/>
+              <a:ext cx="829073" cy="307777"/>
             </a:xfrm>
             <a:prstGeom prst="rect">
               <a:avLst/>
@@ -11461,7 +11459,7 @@
             <a:lstStyle/>
             <a:p>
               <a:r>
-                <a:rPr lang="en-US">
+                <a:rPr lang="en-US" sz="1400">
                   <a:solidFill>
                     <a:srgbClr val="FF6600"/>
                   </a:solidFill>
@@ -11487,8 +11485,8 @@
           </p:nvSpPr>
           <p:spPr>
             <a:xfrm>
-              <a:off x="4378597" y="1935007"/>
-              <a:ext cx="1055097" cy="369332"/>
+              <a:off x="4584179" y="2004015"/>
+              <a:ext cx="861133" cy="307777"/>
             </a:xfrm>
             <a:prstGeom prst="rect">
               <a:avLst/>
@@ -11502,7 +11500,7 @@
             <a:lstStyle/>
             <a:p>
               <a:r>
-                <a:rPr lang="en-US">
+                <a:rPr lang="en-US" sz="1400">
                   <a:solidFill>
                     <a:srgbClr val="FF6600"/>
                   </a:solidFill>
@@ -11528,8 +11526,8 @@
           </p:nvSpPr>
           <p:spPr>
             <a:xfrm>
-              <a:off x="5621657" y="2609046"/>
-              <a:ext cx="461665" cy="895438"/>
+              <a:off x="5647535" y="2639344"/>
+              <a:ext cx="400110" cy="715902"/>
             </a:xfrm>
             <a:prstGeom prst="rect">
               <a:avLst/>
@@ -11543,7 +11541,7 @@
             <a:lstStyle/>
             <a:p>
               <a:r>
-                <a:rPr lang="en-US">
+                <a:rPr lang="en-US" sz="1400">
                   <a:solidFill>
                     <a:srgbClr val="00B050"/>
                   </a:solidFill>
@@ -11569,8 +11567,8 @@
           </p:nvSpPr>
           <p:spPr>
             <a:xfrm>
-              <a:off x="6030761" y="2644312"/>
-              <a:ext cx="461665" cy="850554"/>
+              <a:off x="6056639" y="2639344"/>
+              <a:ext cx="400110" cy="680636"/>
             </a:xfrm>
             <a:prstGeom prst="rect">
               <a:avLst/>
@@ -11584,7 +11582,7 @@
             <a:lstStyle/>
             <a:p>
               <a:r>
-                <a:rPr lang="en-US">
+                <a:rPr lang="en-US" sz="1400">
                   <a:solidFill>
                     <a:srgbClr val="00B050"/>
                   </a:solidFill>
@@ -11610,8 +11608,8 @@
           </p:nvSpPr>
           <p:spPr>
             <a:xfrm>
-              <a:off x="6436883" y="2649122"/>
-              <a:ext cx="461665" cy="845744"/>
+              <a:off x="6462761" y="2639344"/>
+              <a:ext cx="400110" cy="677430"/>
             </a:xfrm>
             <a:prstGeom prst="rect">
               <a:avLst/>
@@ -11625,7 +11623,7 @@
             <a:lstStyle/>
             <a:p>
               <a:r>
-                <a:rPr lang="en-US">
+                <a:rPr lang="en-US" sz="1400">
                   <a:solidFill>
                     <a:srgbClr val="00B050"/>
                   </a:solidFill>
@@ -11651,8 +11649,8 @@
           </p:nvSpPr>
           <p:spPr>
             <a:xfrm>
-              <a:off x="6833260" y="2652326"/>
-              <a:ext cx="461665" cy="892232"/>
+              <a:off x="6859138" y="2639344"/>
+              <a:ext cx="400110" cy="712696"/>
             </a:xfrm>
             <a:prstGeom prst="rect">
               <a:avLst/>
@@ -11666,7 +11664,7 @@
             <a:lstStyle/>
             <a:p>
               <a:r>
-                <a:rPr lang="en-US">
+                <a:rPr lang="en-US" sz="1400">
                   <a:solidFill>
                     <a:srgbClr val="00B050"/>
                   </a:solidFill>
@@ -11695,8 +11693,8 @@
         </p:nvCxnSpPr>
         <p:spPr>
           <a:xfrm flipV="1">
-            <a:off x="960383" y="1417745"/>
-            <a:ext cx="1758270" cy="2157081"/>
+            <a:off x="4910142" y="1131960"/>
+            <a:ext cx="1781727" cy="2162987"/>
           </a:xfrm>
           <a:prstGeom prst="line">
             <a:avLst/>
@@ -11740,8 +11738,8 @@
         </p:nvCxnSpPr>
         <p:spPr>
           <a:xfrm flipV="1">
-            <a:off x="1517079" y="3137116"/>
-            <a:ext cx="4710601" cy="720430"/>
+            <a:off x="5466838" y="2479824"/>
+            <a:ext cx="3929614" cy="1097842"/>
           </a:xfrm>
           <a:prstGeom prst="line">
             <a:avLst/>
